--- a/docs/assets/fractals/curves/levy-c.pptx
+++ b/docs/assets/fractals/curves/levy-c.pptx
@@ -2,12 +2,15 @@
 <file path=ppt/presentation.xml><?xml version="1.0" encoding="utf-8"?>
 <p:presentation xmlns:a="http://schemas.openxmlformats.org/drawingml/2006/main" xmlns:r="http://schemas.openxmlformats.org/officeDocument/2006/relationships" xmlns:p="http://schemas.openxmlformats.org/presentationml/2006/main" saveSubsetFonts="1" autoCompressPictures="0">
   <p:sldMasterIdLst>
-    <p:sldMasterId id="2147483660" r:id="rId1"/>
+    <p:sldMasterId id="2147483672" r:id="rId1"/>
   </p:sldMasterIdLst>
+  <p:notesMasterIdLst>
+    <p:notesMasterId r:id="rId3"/>
+  </p:notesMasterIdLst>
   <p:sldIdLst>
-    <p:sldId id="256" r:id="rId2"/>
+    <p:sldId id="283" r:id="rId2"/>
   </p:sldIdLst>
-  <p:sldSz cx="7199313" cy="7199313"/>
+  <p:sldSz cx="8640763" cy="5759450"/>
   <p:notesSz cx="6858000" cy="9144000"/>
   <p:defaultTextStyle>
     <a:defPPr>
@@ -112,6 +115,447 @@
 </p:presentation>
 </file>
 
+<file path=ppt/notesMasters/notesMaster1.xml><?xml version="1.0" encoding="utf-8"?>
+<p:notesMaster xmlns:a="http://schemas.openxmlformats.org/drawingml/2006/main" xmlns:r="http://schemas.openxmlformats.org/officeDocument/2006/relationships" xmlns:p="http://schemas.openxmlformats.org/presentationml/2006/main">
+  <p:cSld>
+    <p:bg>
+      <p:bgRef idx="1001">
+        <a:schemeClr val="bg1"/>
+      </p:bgRef>
+    </p:bg>
+    <p:spTree>
+      <p:nvGrpSpPr>
+        <p:cNvPr id="1" name=""/>
+        <p:cNvGrpSpPr/>
+        <p:nvPr/>
+      </p:nvGrpSpPr>
+      <p:grpSpPr>
+        <a:xfrm>
+          <a:off x="0" y="0"/>
+          <a:ext cx="0" cy="0"/>
+          <a:chOff x="0" y="0"/>
+          <a:chExt cx="0" cy="0"/>
+        </a:xfrm>
+      </p:grpSpPr>
+      <p:sp>
+        <p:nvSpPr>
+          <p:cNvPr id="2" name="Header Placeholder 1"/>
+          <p:cNvSpPr>
+            <a:spLocks noGrp="1"/>
+          </p:cNvSpPr>
+          <p:nvPr>
+            <p:ph type="hdr" sz="quarter"/>
+          </p:nvPr>
+        </p:nvSpPr>
+        <p:spPr>
+          <a:xfrm>
+            <a:off x="0" y="0"/>
+            <a:ext cx="2971800" cy="458788"/>
+          </a:xfrm>
+          <a:prstGeom prst="rect">
+            <a:avLst/>
+          </a:prstGeom>
+        </p:spPr>
+        <p:txBody>
+          <a:bodyPr vert="horz" lIns="91440" tIns="45720" rIns="91440" bIns="45720" rtlCol="0"/>
+          <a:lstStyle>
+            <a:lvl1pPr algn="l">
+              <a:defRPr sz="1200"/>
+            </a:lvl1pPr>
+          </a:lstStyle>
+          <a:p>
+            <a:endParaRPr lang="en-GB"/>
+          </a:p>
+        </p:txBody>
+      </p:sp>
+      <p:sp>
+        <p:nvSpPr>
+          <p:cNvPr id="3" name="Date Placeholder 2"/>
+          <p:cNvSpPr>
+            <a:spLocks noGrp="1"/>
+          </p:cNvSpPr>
+          <p:nvPr>
+            <p:ph type="dt" idx="1"/>
+          </p:nvPr>
+        </p:nvSpPr>
+        <p:spPr>
+          <a:xfrm>
+            <a:off x="3884613" y="0"/>
+            <a:ext cx="2971800" cy="458788"/>
+          </a:xfrm>
+          <a:prstGeom prst="rect">
+            <a:avLst/>
+          </a:prstGeom>
+        </p:spPr>
+        <p:txBody>
+          <a:bodyPr vert="horz" lIns="91440" tIns="45720" rIns="91440" bIns="45720" rtlCol="0"/>
+          <a:lstStyle>
+            <a:lvl1pPr algn="r">
+              <a:defRPr sz="1200"/>
+            </a:lvl1pPr>
+          </a:lstStyle>
+          <a:p>
+            <a:fld id="{14582B15-68B2-2D41-A6B5-425B8C04B338}" type="datetimeFigureOut">
+              <a:rPr lang="en-GB" smtClean="0"/>
+              <a:t>29/10/2024</a:t>
+            </a:fld>
+            <a:endParaRPr lang="en-GB"/>
+          </a:p>
+        </p:txBody>
+      </p:sp>
+      <p:sp>
+        <p:nvSpPr>
+          <p:cNvPr id="4" name="Slide Image Placeholder 3"/>
+          <p:cNvSpPr>
+            <a:spLocks noGrp="1" noRot="1" noChangeAspect="1"/>
+          </p:cNvSpPr>
+          <p:nvPr>
+            <p:ph type="sldImg" idx="2"/>
+          </p:nvPr>
+        </p:nvSpPr>
+        <p:spPr>
+          <a:xfrm>
+            <a:off x="1114425" y="1143000"/>
+            <a:ext cx="4629150" cy="3086100"/>
+          </a:xfrm>
+          <a:prstGeom prst="rect">
+            <a:avLst/>
+          </a:prstGeom>
+          <a:noFill/>
+          <a:ln w="12700">
+            <a:solidFill>
+              <a:prstClr val="black"/>
+            </a:solidFill>
+          </a:ln>
+        </p:spPr>
+        <p:txBody>
+          <a:bodyPr vert="horz" lIns="91440" tIns="45720" rIns="91440" bIns="45720" rtlCol="0" anchor="ctr"/>
+          <a:lstStyle/>
+          <a:p>
+            <a:endParaRPr lang="en-GB"/>
+          </a:p>
+        </p:txBody>
+      </p:sp>
+      <p:sp>
+        <p:nvSpPr>
+          <p:cNvPr id="5" name="Notes Placeholder 4"/>
+          <p:cNvSpPr>
+            <a:spLocks noGrp="1"/>
+          </p:cNvSpPr>
+          <p:nvPr>
+            <p:ph type="body" sz="quarter" idx="3"/>
+          </p:nvPr>
+        </p:nvSpPr>
+        <p:spPr>
+          <a:xfrm>
+            <a:off x="685800" y="4400550"/>
+            <a:ext cx="5486400" cy="3600450"/>
+          </a:xfrm>
+          <a:prstGeom prst="rect">
+            <a:avLst/>
+          </a:prstGeom>
+        </p:spPr>
+        <p:txBody>
+          <a:bodyPr vert="horz" lIns="91440" tIns="45720" rIns="91440" bIns="45720" rtlCol="0"/>
+          <a:lstStyle/>
+          <a:p>
+            <a:pPr lvl="0"/>
+            <a:r>
+              <a:rPr lang="en-GB"/>
+              <a:t>Click to edit Master text styles</a:t>
+            </a:r>
+          </a:p>
+          <a:p>
+            <a:pPr lvl="1"/>
+            <a:r>
+              <a:rPr lang="en-GB"/>
+              <a:t>Second level</a:t>
+            </a:r>
+          </a:p>
+          <a:p>
+            <a:pPr lvl="2"/>
+            <a:r>
+              <a:rPr lang="en-GB"/>
+              <a:t>Third level</a:t>
+            </a:r>
+          </a:p>
+          <a:p>
+            <a:pPr lvl="3"/>
+            <a:r>
+              <a:rPr lang="en-GB"/>
+              <a:t>Fourth level</a:t>
+            </a:r>
+          </a:p>
+          <a:p>
+            <a:pPr lvl="4"/>
+            <a:r>
+              <a:rPr lang="en-GB"/>
+              <a:t>Fifth level</a:t>
+            </a:r>
+          </a:p>
+        </p:txBody>
+      </p:sp>
+      <p:sp>
+        <p:nvSpPr>
+          <p:cNvPr id="6" name="Footer Placeholder 5"/>
+          <p:cNvSpPr>
+            <a:spLocks noGrp="1"/>
+          </p:cNvSpPr>
+          <p:nvPr>
+            <p:ph type="ftr" sz="quarter" idx="4"/>
+          </p:nvPr>
+        </p:nvSpPr>
+        <p:spPr>
+          <a:xfrm>
+            <a:off x="0" y="8685213"/>
+            <a:ext cx="2971800" cy="458787"/>
+          </a:xfrm>
+          <a:prstGeom prst="rect">
+            <a:avLst/>
+          </a:prstGeom>
+        </p:spPr>
+        <p:txBody>
+          <a:bodyPr vert="horz" lIns="91440" tIns="45720" rIns="91440" bIns="45720" rtlCol="0" anchor="b"/>
+          <a:lstStyle>
+            <a:lvl1pPr algn="l">
+              <a:defRPr sz="1200"/>
+            </a:lvl1pPr>
+          </a:lstStyle>
+          <a:p>
+            <a:endParaRPr lang="en-GB"/>
+          </a:p>
+        </p:txBody>
+      </p:sp>
+      <p:sp>
+        <p:nvSpPr>
+          <p:cNvPr id="7" name="Slide Number Placeholder 6"/>
+          <p:cNvSpPr>
+            <a:spLocks noGrp="1"/>
+          </p:cNvSpPr>
+          <p:nvPr>
+            <p:ph type="sldNum" sz="quarter" idx="5"/>
+          </p:nvPr>
+        </p:nvSpPr>
+        <p:spPr>
+          <a:xfrm>
+            <a:off x="3884613" y="8685213"/>
+            <a:ext cx="2971800" cy="458787"/>
+          </a:xfrm>
+          <a:prstGeom prst="rect">
+            <a:avLst/>
+          </a:prstGeom>
+        </p:spPr>
+        <p:txBody>
+          <a:bodyPr vert="horz" lIns="91440" tIns="45720" rIns="91440" bIns="45720" rtlCol="0" anchor="b"/>
+          <a:lstStyle>
+            <a:lvl1pPr algn="r">
+              <a:defRPr sz="1200"/>
+            </a:lvl1pPr>
+          </a:lstStyle>
+          <a:p>
+            <a:fld id="{5F9D25C1-A4D5-5542-9B5F-A46D47C00ED5}" type="slidenum">
+              <a:rPr lang="en-GB" smtClean="0"/>
+              <a:t>‹#›</a:t>
+            </a:fld>
+            <a:endParaRPr lang="en-GB"/>
+          </a:p>
+        </p:txBody>
+      </p:sp>
+    </p:spTree>
+    <p:extLst>
+      <p:ext uri="{BB962C8B-B14F-4D97-AF65-F5344CB8AC3E}">
+        <p14:creationId xmlns:p14="http://schemas.microsoft.com/office/powerpoint/2010/main" val="3039134246"/>
+      </p:ext>
+    </p:extLst>
+  </p:cSld>
+  <p:clrMap bg1="lt1" tx1="dk1" bg2="lt2" tx2="dk2" accent1="accent1" accent2="accent2" accent3="accent3" accent4="accent4" accent5="accent5" accent6="accent6" hlink="hlink" folHlink="folHlink"/>
+  <p:notesStyle>
+    <a:lvl1pPr marL="0" algn="l" defTabSz="914400" rtl="0" eaLnBrk="1" latinLnBrk="0" hangingPunct="1">
+      <a:defRPr sz="1200" kern="1200">
+        <a:solidFill>
+          <a:schemeClr val="tx1"/>
+        </a:solidFill>
+        <a:latin typeface="+mn-lt"/>
+        <a:ea typeface="+mn-ea"/>
+        <a:cs typeface="+mn-cs"/>
+      </a:defRPr>
+    </a:lvl1pPr>
+    <a:lvl2pPr marL="457200" algn="l" defTabSz="914400" rtl="0" eaLnBrk="1" latinLnBrk="0" hangingPunct="1">
+      <a:defRPr sz="1200" kern="1200">
+        <a:solidFill>
+          <a:schemeClr val="tx1"/>
+        </a:solidFill>
+        <a:latin typeface="+mn-lt"/>
+        <a:ea typeface="+mn-ea"/>
+        <a:cs typeface="+mn-cs"/>
+      </a:defRPr>
+    </a:lvl2pPr>
+    <a:lvl3pPr marL="914400" algn="l" defTabSz="914400" rtl="0" eaLnBrk="1" latinLnBrk="0" hangingPunct="1">
+      <a:defRPr sz="1200" kern="1200">
+        <a:solidFill>
+          <a:schemeClr val="tx1"/>
+        </a:solidFill>
+        <a:latin typeface="+mn-lt"/>
+        <a:ea typeface="+mn-ea"/>
+        <a:cs typeface="+mn-cs"/>
+      </a:defRPr>
+    </a:lvl3pPr>
+    <a:lvl4pPr marL="1371600" algn="l" defTabSz="914400" rtl="0" eaLnBrk="1" latinLnBrk="0" hangingPunct="1">
+      <a:defRPr sz="1200" kern="1200">
+        <a:solidFill>
+          <a:schemeClr val="tx1"/>
+        </a:solidFill>
+        <a:latin typeface="+mn-lt"/>
+        <a:ea typeface="+mn-ea"/>
+        <a:cs typeface="+mn-cs"/>
+      </a:defRPr>
+    </a:lvl4pPr>
+    <a:lvl5pPr marL="1828800" algn="l" defTabSz="914400" rtl="0" eaLnBrk="1" latinLnBrk="0" hangingPunct="1">
+      <a:defRPr sz="1200" kern="1200">
+        <a:solidFill>
+          <a:schemeClr val="tx1"/>
+        </a:solidFill>
+        <a:latin typeface="+mn-lt"/>
+        <a:ea typeface="+mn-ea"/>
+        <a:cs typeface="+mn-cs"/>
+      </a:defRPr>
+    </a:lvl5pPr>
+    <a:lvl6pPr marL="2286000" algn="l" defTabSz="914400" rtl="0" eaLnBrk="1" latinLnBrk="0" hangingPunct="1">
+      <a:defRPr sz="1200" kern="1200">
+        <a:solidFill>
+          <a:schemeClr val="tx1"/>
+        </a:solidFill>
+        <a:latin typeface="+mn-lt"/>
+        <a:ea typeface="+mn-ea"/>
+        <a:cs typeface="+mn-cs"/>
+      </a:defRPr>
+    </a:lvl6pPr>
+    <a:lvl7pPr marL="2743200" algn="l" defTabSz="914400" rtl="0" eaLnBrk="1" latinLnBrk="0" hangingPunct="1">
+      <a:defRPr sz="1200" kern="1200">
+        <a:solidFill>
+          <a:schemeClr val="tx1"/>
+        </a:solidFill>
+        <a:latin typeface="+mn-lt"/>
+        <a:ea typeface="+mn-ea"/>
+        <a:cs typeface="+mn-cs"/>
+      </a:defRPr>
+    </a:lvl7pPr>
+    <a:lvl8pPr marL="3200400" algn="l" defTabSz="914400" rtl="0" eaLnBrk="1" latinLnBrk="0" hangingPunct="1">
+      <a:defRPr sz="1200" kern="1200">
+        <a:solidFill>
+          <a:schemeClr val="tx1"/>
+        </a:solidFill>
+        <a:latin typeface="+mn-lt"/>
+        <a:ea typeface="+mn-ea"/>
+        <a:cs typeface="+mn-cs"/>
+      </a:defRPr>
+    </a:lvl8pPr>
+    <a:lvl9pPr marL="3657600" algn="l" defTabSz="914400" rtl="0" eaLnBrk="1" latinLnBrk="0" hangingPunct="1">
+      <a:defRPr sz="1200" kern="1200">
+        <a:solidFill>
+          <a:schemeClr val="tx1"/>
+        </a:solidFill>
+        <a:latin typeface="+mn-lt"/>
+        <a:ea typeface="+mn-ea"/>
+        <a:cs typeface="+mn-cs"/>
+      </a:defRPr>
+    </a:lvl9pPr>
+  </p:notesStyle>
+</p:notesMaster>
+</file>
+
+<file path=ppt/notesSlides/notesSlide1.xml><?xml version="1.0" encoding="utf-8"?>
+<p:notes xmlns:a="http://schemas.openxmlformats.org/drawingml/2006/main" xmlns:r="http://schemas.openxmlformats.org/officeDocument/2006/relationships" xmlns:p="http://schemas.openxmlformats.org/presentationml/2006/main">
+  <p:cSld>
+    <p:spTree>
+      <p:nvGrpSpPr>
+        <p:cNvPr id="1" name=""/>
+        <p:cNvGrpSpPr/>
+        <p:nvPr/>
+      </p:nvGrpSpPr>
+      <p:grpSpPr>
+        <a:xfrm>
+          <a:off x="0" y="0"/>
+          <a:ext cx="0" cy="0"/>
+          <a:chOff x="0" y="0"/>
+          <a:chExt cx="0" cy="0"/>
+        </a:xfrm>
+      </p:grpSpPr>
+      <p:sp>
+        <p:nvSpPr>
+          <p:cNvPr id="2" name="Slide Image Placeholder 1"/>
+          <p:cNvSpPr>
+            <a:spLocks noGrp="1" noRot="1" noChangeAspect="1"/>
+          </p:cNvSpPr>
+          <p:nvPr>
+            <p:ph type="sldImg"/>
+          </p:nvPr>
+        </p:nvSpPr>
+        <p:spPr>
+          <a:xfrm>
+            <a:off x="1114425" y="1143000"/>
+            <a:ext cx="4629150" cy="3086100"/>
+          </a:xfrm>
+        </p:spPr>
+      </p:sp>
+      <p:sp>
+        <p:nvSpPr>
+          <p:cNvPr id="3" name="Notes Placeholder 2"/>
+          <p:cNvSpPr>
+            <a:spLocks noGrp="1"/>
+          </p:cNvSpPr>
+          <p:nvPr>
+            <p:ph type="body" idx="1"/>
+          </p:nvPr>
+        </p:nvSpPr>
+        <p:spPr/>
+        <p:txBody>
+          <a:bodyPr/>
+          <a:lstStyle/>
+          <a:p>
+            <a:r>
+              <a:rPr lang="en-US" dirty="0"/>
+              <a:t>Pythagoras tree</a:t>
+            </a:r>
+          </a:p>
+        </p:txBody>
+      </p:sp>
+      <p:sp>
+        <p:nvSpPr>
+          <p:cNvPr id="4" name="Slide Number Placeholder 3"/>
+          <p:cNvSpPr>
+            <a:spLocks noGrp="1"/>
+          </p:cNvSpPr>
+          <p:nvPr>
+            <p:ph type="sldNum" sz="quarter" idx="5"/>
+          </p:nvPr>
+        </p:nvSpPr>
+        <p:spPr/>
+        <p:txBody>
+          <a:bodyPr/>
+          <a:lstStyle/>
+          <a:p>
+            <a:fld id="{825676C3-AF84-0440-9FDE-505F611B6232}" type="slidenum">
+              <a:rPr lang="en-GB" smtClean="0"/>
+              <a:t>1</a:t>
+            </a:fld>
+            <a:endParaRPr lang="en-GB"/>
+          </a:p>
+        </p:txBody>
+      </p:sp>
+    </p:spTree>
+    <p:extLst>
+      <p:ext uri="{BB962C8B-B14F-4D97-AF65-F5344CB8AC3E}">
+        <p14:creationId xmlns:p14="http://schemas.microsoft.com/office/powerpoint/2010/main" val="1893552586"/>
+      </p:ext>
+    </p:extLst>
+  </p:cSld>
+  <p:clrMapOvr>
+    <a:masterClrMapping/>
+  </p:clrMapOvr>
+</p:notes>
+</file>
+
 <file path=ppt/slideLayouts/slideLayout1.xml><?xml version="1.0" encoding="utf-8"?>
 <p:sldLayout xmlns:a="http://schemas.openxmlformats.org/drawingml/2006/main" xmlns:r="http://schemas.openxmlformats.org/officeDocument/2006/relationships" xmlns:p="http://schemas.openxmlformats.org/presentationml/2006/main" type="title" preserve="1">
   <p:cSld name="Title Slide">
@@ -141,15 +585,15 @@
         </p:nvSpPr>
         <p:spPr>
           <a:xfrm>
-            <a:off x="539949" y="1178222"/>
-            <a:ext cx="6119416" cy="2506427"/>
+            <a:off x="648057" y="942577"/>
+            <a:ext cx="7344649" cy="2005142"/>
           </a:xfrm>
         </p:spPr>
         <p:txBody>
           <a:bodyPr anchor="b"/>
           <a:lstStyle>
             <a:lvl1pPr algn="ctr">
-              <a:defRPr sz="4724"/>
+              <a:defRPr sz="5039"/>
             </a:lvl1pPr>
           </a:lstStyle>
           <a:p>
@@ -173,8 +617,8 @@
         </p:nvSpPr>
         <p:spPr>
           <a:xfrm>
-            <a:off x="899914" y="3781306"/>
-            <a:ext cx="5399485" cy="1738167"/>
+            <a:off x="1080096" y="3025045"/>
+            <a:ext cx="6480572" cy="1390533"/>
           </a:xfrm>
         </p:spPr>
         <p:txBody>
@@ -182,39 +626,39 @@
           <a:lstStyle>
             <a:lvl1pPr marL="0" indent="0" algn="ctr">
               <a:buNone/>
-              <a:defRPr sz="1890"/>
+              <a:defRPr sz="2016"/>
             </a:lvl1pPr>
-            <a:lvl2pPr marL="359954" indent="0" algn="ctr">
-              <a:buNone/>
-              <a:defRPr sz="1575"/>
+            <a:lvl2pPr marL="383957" indent="0" algn="ctr">
+              <a:buNone/>
+              <a:defRPr sz="1680"/>
             </a:lvl2pPr>
-            <a:lvl3pPr marL="719907" indent="0" algn="ctr">
-              <a:buNone/>
-              <a:defRPr sz="1417"/>
+            <a:lvl3pPr marL="767913" indent="0" algn="ctr">
+              <a:buNone/>
+              <a:defRPr sz="1512"/>
             </a:lvl3pPr>
-            <a:lvl4pPr marL="1079861" indent="0" algn="ctr">
-              <a:buNone/>
-              <a:defRPr sz="1260"/>
+            <a:lvl4pPr marL="1151870" indent="0" algn="ctr">
+              <a:buNone/>
+              <a:defRPr sz="1344"/>
             </a:lvl4pPr>
-            <a:lvl5pPr marL="1439814" indent="0" algn="ctr">
-              <a:buNone/>
-              <a:defRPr sz="1260"/>
+            <a:lvl5pPr marL="1535826" indent="0" algn="ctr">
+              <a:buNone/>
+              <a:defRPr sz="1344"/>
             </a:lvl5pPr>
-            <a:lvl6pPr marL="1799768" indent="0" algn="ctr">
-              <a:buNone/>
-              <a:defRPr sz="1260"/>
+            <a:lvl6pPr marL="1919783" indent="0" algn="ctr">
+              <a:buNone/>
+              <a:defRPr sz="1344"/>
             </a:lvl6pPr>
-            <a:lvl7pPr marL="2159721" indent="0" algn="ctr">
-              <a:buNone/>
-              <a:defRPr sz="1260"/>
+            <a:lvl7pPr marL="2303739" indent="0" algn="ctr">
+              <a:buNone/>
+              <a:defRPr sz="1344"/>
             </a:lvl7pPr>
-            <a:lvl8pPr marL="2519675" indent="0" algn="ctr">
-              <a:buNone/>
-              <a:defRPr sz="1260"/>
+            <a:lvl8pPr marL="2687696" indent="0" algn="ctr">
+              <a:buNone/>
+              <a:defRPr sz="1344"/>
             </a:lvl8pPr>
-            <a:lvl9pPr marL="2879628" indent="0" algn="ctr">
-              <a:buNone/>
-              <a:defRPr sz="1260"/>
+            <a:lvl9pPr marL="3071652" indent="0" algn="ctr">
+              <a:buNone/>
+              <a:defRPr sz="1344"/>
             </a:lvl9pPr>
           </a:lstStyle>
           <a:p>
@@ -241,9 +685,9 @@
           <a:bodyPr/>
           <a:lstStyle/>
           <a:p>
-            <a:fld id="{380C02A5-7496-7343-88E2-7AE37D1DE183}" type="datetimeFigureOut">
+            <a:fld id="{36ACD466-D226-3943-8FAD-4040495CECA9}" type="datetimeFigureOut">
               <a:rPr lang="en-GB" smtClean="0"/>
-              <a:t>12/10/2024</a:t>
+              <a:t>29/10/2024</a:t>
             </a:fld>
             <a:endParaRPr lang="en-GB"/>
           </a:p>
@@ -283,7 +727,7 @@
           <a:bodyPr/>
           <a:lstStyle/>
           <a:p>
-            <a:fld id="{85461FA1-5D31-B846-B3EF-69CE49F1D6C8}" type="slidenum">
+            <a:fld id="{73F9DABC-24C5-6645-86C4-D3B0909A60A7}" type="slidenum">
               <a:rPr lang="en-GB" smtClean="0"/>
               <a:t>‹#›</a:t>
             </a:fld>
@@ -294,7 +738,7 @@
     </p:spTree>
     <p:extLst>
       <p:ext uri="{BB962C8B-B14F-4D97-AF65-F5344CB8AC3E}">
-        <p14:creationId xmlns:p14="http://schemas.microsoft.com/office/powerpoint/2010/main" val="2129030027"/>
+        <p14:creationId xmlns:p14="http://schemas.microsoft.com/office/powerpoint/2010/main" val="2413603591"/>
       </p:ext>
     </p:extLst>
   </p:cSld>
@@ -411,9 +855,9 @@
           <a:bodyPr/>
           <a:lstStyle/>
           <a:p>
-            <a:fld id="{380C02A5-7496-7343-88E2-7AE37D1DE183}" type="datetimeFigureOut">
+            <a:fld id="{36ACD466-D226-3943-8FAD-4040495CECA9}" type="datetimeFigureOut">
               <a:rPr lang="en-GB" smtClean="0"/>
-              <a:t>12/10/2024</a:t>
+              <a:t>29/10/2024</a:t>
             </a:fld>
             <a:endParaRPr lang="en-GB"/>
           </a:p>
@@ -453,7 +897,7 @@
           <a:bodyPr/>
           <a:lstStyle/>
           <a:p>
-            <a:fld id="{85461FA1-5D31-B846-B3EF-69CE49F1D6C8}" type="slidenum">
+            <a:fld id="{73F9DABC-24C5-6645-86C4-D3B0909A60A7}" type="slidenum">
               <a:rPr lang="en-GB" smtClean="0"/>
               <a:t>‹#›</a:t>
             </a:fld>
@@ -464,7 +908,7 @@
     </p:spTree>
     <p:extLst>
       <p:ext uri="{BB962C8B-B14F-4D97-AF65-F5344CB8AC3E}">
-        <p14:creationId xmlns:p14="http://schemas.microsoft.com/office/powerpoint/2010/main" val="1631630596"/>
+        <p14:creationId xmlns:p14="http://schemas.microsoft.com/office/powerpoint/2010/main" val="291218870"/>
       </p:ext>
     </p:extLst>
   </p:cSld>
@@ -503,8 +947,8 @@
         </p:nvSpPr>
         <p:spPr>
           <a:xfrm>
-            <a:off x="5152009" y="383297"/>
-            <a:ext cx="1552352" cy="6101085"/>
+            <a:off x="6183546" y="306637"/>
+            <a:ext cx="1863165" cy="4880868"/>
           </a:xfrm>
         </p:spPr>
         <p:txBody>
@@ -531,8 +975,8 @@
         </p:nvSpPr>
         <p:spPr>
           <a:xfrm>
-            <a:off x="494953" y="383297"/>
-            <a:ext cx="4567064" cy="6101085"/>
+            <a:off x="594053" y="306637"/>
+            <a:ext cx="5481484" cy="4880868"/>
           </a:xfrm>
         </p:spPr>
         <p:txBody>
@@ -591,9 +1035,9 @@
           <a:bodyPr/>
           <a:lstStyle/>
           <a:p>
-            <a:fld id="{380C02A5-7496-7343-88E2-7AE37D1DE183}" type="datetimeFigureOut">
+            <a:fld id="{36ACD466-D226-3943-8FAD-4040495CECA9}" type="datetimeFigureOut">
               <a:rPr lang="en-GB" smtClean="0"/>
-              <a:t>12/10/2024</a:t>
+              <a:t>29/10/2024</a:t>
             </a:fld>
             <a:endParaRPr lang="en-GB"/>
           </a:p>
@@ -633,7 +1077,7 @@
           <a:bodyPr/>
           <a:lstStyle/>
           <a:p>
-            <a:fld id="{85461FA1-5D31-B846-B3EF-69CE49F1D6C8}" type="slidenum">
+            <a:fld id="{73F9DABC-24C5-6645-86C4-D3B0909A60A7}" type="slidenum">
               <a:rPr lang="en-GB" smtClean="0"/>
               <a:t>‹#›</a:t>
             </a:fld>
@@ -644,7 +1088,7 @@
     </p:spTree>
     <p:extLst>
       <p:ext uri="{BB962C8B-B14F-4D97-AF65-F5344CB8AC3E}">
-        <p14:creationId xmlns:p14="http://schemas.microsoft.com/office/powerpoint/2010/main" val="2291574328"/>
+        <p14:creationId xmlns:p14="http://schemas.microsoft.com/office/powerpoint/2010/main" val="448340190"/>
       </p:ext>
     </p:extLst>
   </p:cSld>
@@ -761,9 +1205,9 @@
           <a:bodyPr/>
           <a:lstStyle/>
           <a:p>
-            <a:fld id="{380C02A5-7496-7343-88E2-7AE37D1DE183}" type="datetimeFigureOut">
+            <a:fld id="{36ACD466-D226-3943-8FAD-4040495CECA9}" type="datetimeFigureOut">
               <a:rPr lang="en-GB" smtClean="0"/>
-              <a:t>12/10/2024</a:t>
+              <a:t>29/10/2024</a:t>
             </a:fld>
             <a:endParaRPr lang="en-GB"/>
           </a:p>
@@ -803,7 +1247,7 @@
           <a:bodyPr/>
           <a:lstStyle/>
           <a:p>
-            <a:fld id="{85461FA1-5D31-B846-B3EF-69CE49F1D6C8}" type="slidenum">
+            <a:fld id="{73F9DABC-24C5-6645-86C4-D3B0909A60A7}" type="slidenum">
               <a:rPr lang="en-GB" smtClean="0"/>
               <a:t>‹#›</a:t>
             </a:fld>
@@ -814,7 +1258,7 @@
     </p:spTree>
     <p:extLst>
       <p:ext uri="{BB962C8B-B14F-4D97-AF65-F5344CB8AC3E}">
-        <p14:creationId xmlns:p14="http://schemas.microsoft.com/office/powerpoint/2010/main" val="3523927217"/>
+        <p14:creationId xmlns:p14="http://schemas.microsoft.com/office/powerpoint/2010/main" val="2730640440"/>
       </p:ext>
     </p:extLst>
   </p:cSld>
@@ -853,15 +1297,15 @@
         </p:nvSpPr>
         <p:spPr>
           <a:xfrm>
-            <a:off x="491204" y="1794831"/>
-            <a:ext cx="6209407" cy="2994714"/>
+            <a:off x="589553" y="1435864"/>
+            <a:ext cx="7452658" cy="2395771"/>
           </a:xfrm>
         </p:spPr>
         <p:txBody>
           <a:bodyPr anchor="b"/>
           <a:lstStyle>
             <a:lvl1pPr>
-              <a:defRPr sz="4724"/>
+              <a:defRPr sz="5039"/>
             </a:lvl1pPr>
           </a:lstStyle>
           <a:p>
@@ -885,8 +1329,8 @@
         </p:nvSpPr>
         <p:spPr>
           <a:xfrm>
-            <a:off x="491204" y="4817876"/>
-            <a:ext cx="6209407" cy="1574849"/>
+            <a:off x="589553" y="3854300"/>
+            <a:ext cx="7452658" cy="1259879"/>
           </a:xfrm>
         </p:spPr>
         <p:txBody>
@@ -894,15 +1338,15 @@
           <a:lstStyle>
             <a:lvl1pPr marL="0" indent="0">
               <a:buNone/>
-              <a:defRPr sz="1890">
+              <a:defRPr sz="2016">
                 <a:solidFill>
                   <a:schemeClr val="tx1"/>
                 </a:solidFill>
               </a:defRPr>
             </a:lvl1pPr>
-            <a:lvl2pPr marL="359954" indent="0">
-              <a:buNone/>
-              <a:defRPr sz="1575">
+            <a:lvl2pPr marL="383957" indent="0">
+              <a:buNone/>
+              <a:defRPr sz="1680">
                 <a:solidFill>
                   <a:schemeClr val="tx1">
                     <a:tint val="75000"/>
@@ -910,9 +1354,9 @@
                 </a:solidFill>
               </a:defRPr>
             </a:lvl2pPr>
-            <a:lvl3pPr marL="719907" indent="0">
-              <a:buNone/>
-              <a:defRPr sz="1417">
+            <a:lvl3pPr marL="767913" indent="0">
+              <a:buNone/>
+              <a:defRPr sz="1512">
                 <a:solidFill>
                   <a:schemeClr val="tx1">
                     <a:tint val="75000"/>
@@ -920,9 +1364,9 @@
                 </a:solidFill>
               </a:defRPr>
             </a:lvl3pPr>
-            <a:lvl4pPr marL="1079861" indent="0">
-              <a:buNone/>
-              <a:defRPr sz="1260">
+            <a:lvl4pPr marL="1151870" indent="0">
+              <a:buNone/>
+              <a:defRPr sz="1344">
                 <a:solidFill>
                   <a:schemeClr val="tx1">
                     <a:tint val="75000"/>
@@ -930,9 +1374,9 @@
                 </a:solidFill>
               </a:defRPr>
             </a:lvl4pPr>
-            <a:lvl5pPr marL="1439814" indent="0">
-              <a:buNone/>
-              <a:defRPr sz="1260">
+            <a:lvl5pPr marL="1535826" indent="0">
+              <a:buNone/>
+              <a:defRPr sz="1344">
                 <a:solidFill>
                   <a:schemeClr val="tx1">
                     <a:tint val="75000"/>
@@ -940,9 +1384,9 @@
                 </a:solidFill>
               </a:defRPr>
             </a:lvl5pPr>
-            <a:lvl6pPr marL="1799768" indent="0">
-              <a:buNone/>
-              <a:defRPr sz="1260">
+            <a:lvl6pPr marL="1919783" indent="0">
+              <a:buNone/>
+              <a:defRPr sz="1344">
                 <a:solidFill>
                   <a:schemeClr val="tx1">
                     <a:tint val="75000"/>
@@ -950,9 +1394,9 @@
                 </a:solidFill>
               </a:defRPr>
             </a:lvl6pPr>
-            <a:lvl7pPr marL="2159721" indent="0">
-              <a:buNone/>
-              <a:defRPr sz="1260">
+            <a:lvl7pPr marL="2303739" indent="0">
+              <a:buNone/>
+              <a:defRPr sz="1344">
                 <a:solidFill>
                   <a:schemeClr val="tx1">
                     <a:tint val="75000"/>
@@ -960,9 +1404,9 @@
                 </a:solidFill>
               </a:defRPr>
             </a:lvl7pPr>
-            <a:lvl8pPr marL="2519675" indent="0">
-              <a:buNone/>
-              <a:defRPr sz="1260">
+            <a:lvl8pPr marL="2687696" indent="0">
+              <a:buNone/>
+              <a:defRPr sz="1344">
                 <a:solidFill>
                   <a:schemeClr val="tx1">
                     <a:tint val="75000"/>
@@ -970,9 +1414,9 @@
                 </a:solidFill>
               </a:defRPr>
             </a:lvl8pPr>
-            <a:lvl9pPr marL="2879628" indent="0">
-              <a:buNone/>
-              <a:defRPr sz="1260">
+            <a:lvl9pPr marL="3071652" indent="0">
+              <a:buNone/>
+              <a:defRPr sz="1344">
                 <a:solidFill>
                   <a:schemeClr val="tx1">
                     <a:tint val="75000"/>
@@ -1005,9 +1449,9 @@
           <a:bodyPr/>
           <a:lstStyle/>
           <a:p>
-            <a:fld id="{380C02A5-7496-7343-88E2-7AE37D1DE183}" type="datetimeFigureOut">
+            <a:fld id="{36ACD466-D226-3943-8FAD-4040495CECA9}" type="datetimeFigureOut">
               <a:rPr lang="en-GB" smtClean="0"/>
-              <a:t>12/10/2024</a:t>
+              <a:t>29/10/2024</a:t>
             </a:fld>
             <a:endParaRPr lang="en-GB"/>
           </a:p>
@@ -1047,7 +1491,7 @@
           <a:bodyPr/>
           <a:lstStyle/>
           <a:p>
-            <a:fld id="{85461FA1-5D31-B846-B3EF-69CE49F1D6C8}" type="slidenum">
+            <a:fld id="{73F9DABC-24C5-6645-86C4-D3B0909A60A7}" type="slidenum">
               <a:rPr lang="en-GB" smtClean="0"/>
               <a:t>‹#›</a:t>
             </a:fld>
@@ -1058,7 +1502,7 @@
     </p:spTree>
     <p:extLst>
       <p:ext uri="{BB962C8B-B14F-4D97-AF65-F5344CB8AC3E}">
-        <p14:creationId xmlns:p14="http://schemas.microsoft.com/office/powerpoint/2010/main" val="1076808086"/>
+        <p14:creationId xmlns:p14="http://schemas.microsoft.com/office/powerpoint/2010/main" val="1022043840"/>
       </p:ext>
     </p:extLst>
   </p:cSld>
@@ -1120,8 +1564,8 @@
         </p:nvSpPr>
         <p:spPr>
           <a:xfrm>
-            <a:off x="494953" y="1916484"/>
-            <a:ext cx="3059708" cy="4567898"/>
+            <a:off x="594053" y="1533187"/>
+            <a:ext cx="3672324" cy="3654318"/>
           </a:xfrm>
         </p:spPr>
         <p:txBody>
@@ -1177,8 +1621,8 @@
         </p:nvSpPr>
         <p:spPr>
           <a:xfrm>
-            <a:off x="3644652" y="1916484"/>
-            <a:ext cx="3059708" cy="4567898"/>
+            <a:off x="4374386" y="1533187"/>
+            <a:ext cx="3672324" cy="3654318"/>
           </a:xfrm>
         </p:spPr>
         <p:txBody>
@@ -1237,9 +1681,9 @@
           <a:bodyPr/>
           <a:lstStyle/>
           <a:p>
-            <a:fld id="{380C02A5-7496-7343-88E2-7AE37D1DE183}" type="datetimeFigureOut">
+            <a:fld id="{36ACD466-D226-3943-8FAD-4040495CECA9}" type="datetimeFigureOut">
               <a:rPr lang="en-GB" smtClean="0"/>
-              <a:t>12/10/2024</a:t>
+              <a:t>29/10/2024</a:t>
             </a:fld>
             <a:endParaRPr lang="en-GB"/>
           </a:p>
@@ -1279,7 +1723,7 @@
           <a:bodyPr/>
           <a:lstStyle/>
           <a:p>
-            <a:fld id="{85461FA1-5D31-B846-B3EF-69CE49F1D6C8}" type="slidenum">
+            <a:fld id="{73F9DABC-24C5-6645-86C4-D3B0909A60A7}" type="slidenum">
               <a:rPr lang="en-GB" smtClean="0"/>
               <a:t>‹#›</a:t>
             </a:fld>
@@ -1290,7 +1734,7 @@
     </p:spTree>
     <p:extLst>
       <p:ext uri="{BB962C8B-B14F-4D97-AF65-F5344CB8AC3E}">
-        <p14:creationId xmlns:p14="http://schemas.microsoft.com/office/powerpoint/2010/main" val="2023028434"/>
+        <p14:creationId xmlns:p14="http://schemas.microsoft.com/office/powerpoint/2010/main" val="3407039878"/>
       </p:ext>
     </p:extLst>
   </p:cSld>
@@ -1329,8 +1773,8 @@
         </p:nvSpPr>
         <p:spPr>
           <a:xfrm>
-            <a:off x="495891" y="383299"/>
-            <a:ext cx="6209407" cy="1391534"/>
+            <a:off x="595178" y="306639"/>
+            <a:ext cx="7452658" cy="1113227"/>
           </a:xfrm>
         </p:spPr>
         <p:txBody>
@@ -1357,8 +1801,8 @@
         </p:nvSpPr>
         <p:spPr>
           <a:xfrm>
-            <a:off x="495891" y="1764832"/>
-            <a:ext cx="3045646" cy="864917"/>
+            <a:off x="595179" y="1411865"/>
+            <a:ext cx="3655447" cy="691934"/>
           </a:xfrm>
         </p:spPr>
         <p:txBody>
@@ -1366,39 +1810,39 @@
           <a:lstStyle>
             <a:lvl1pPr marL="0" indent="0">
               <a:buNone/>
-              <a:defRPr sz="1890" b="1"/>
+              <a:defRPr sz="2016" b="1"/>
             </a:lvl1pPr>
-            <a:lvl2pPr marL="359954" indent="0">
-              <a:buNone/>
-              <a:defRPr sz="1575" b="1"/>
+            <a:lvl2pPr marL="383957" indent="0">
+              <a:buNone/>
+              <a:defRPr sz="1680" b="1"/>
             </a:lvl2pPr>
-            <a:lvl3pPr marL="719907" indent="0">
-              <a:buNone/>
-              <a:defRPr sz="1417" b="1"/>
+            <a:lvl3pPr marL="767913" indent="0">
+              <a:buNone/>
+              <a:defRPr sz="1512" b="1"/>
             </a:lvl3pPr>
-            <a:lvl4pPr marL="1079861" indent="0">
-              <a:buNone/>
-              <a:defRPr sz="1260" b="1"/>
+            <a:lvl4pPr marL="1151870" indent="0">
+              <a:buNone/>
+              <a:defRPr sz="1344" b="1"/>
             </a:lvl4pPr>
-            <a:lvl5pPr marL="1439814" indent="0">
-              <a:buNone/>
-              <a:defRPr sz="1260" b="1"/>
+            <a:lvl5pPr marL="1535826" indent="0">
+              <a:buNone/>
+              <a:defRPr sz="1344" b="1"/>
             </a:lvl5pPr>
-            <a:lvl6pPr marL="1799768" indent="0">
-              <a:buNone/>
-              <a:defRPr sz="1260" b="1"/>
+            <a:lvl6pPr marL="1919783" indent="0">
+              <a:buNone/>
+              <a:defRPr sz="1344" b="1"/>
             </a:lvl6pPr>
-            <a:lvl7pPr marL="2159721" indent="0">
-              <a:buNone/>
-              <a:defRPr sz="1260" b="1"/>
+            <a:lvl7pPr marL="2303739" indent="0">
+              <a:buNone/>
+              <a:defRPr sz="1344" b="1"/>
             </a:lvl7pPr>
-            <a:lvl8pPr marL="2519675" indent="0">
-              <a:buNone/>
-              <a:defRPr sz="1260" b="1"/>
+            <a:lvl8pPr marL="2687696" indent="0">
+              <a:buNone/>
+              <a:defRPr sz="1344" b="1"/>
             </a:lvl8pPr>
-            <a:lvl9pPr marL="2879628" indent="0">
-              <a:buNone/>
-              <a:defRPr sz="1260" b="1"/>
+            <a:lvl9pPr marL="3071652" indent="0">
+              <a:buNone/>
+              <a:defRPr sz="1344" b="1"/>
             </a:lvl9pPr>
           </a:lstStyle>
           <a:p>
@@ -1422,8 +1866,8 @@
         </p:nvSpPr>
         <p:spPr>
           <a:xfrm>
-            <a:off x="495891" y="2629749"/>
-            <a:ext cx="3045646" cy="3867965"/>
+            <a:off x="595179" y="2103799"/>
+            <a:ext cx="3655447" cy="3094372"/>
           </a:xfrm>
         </p:spPr>
         <p:txBody>
@@ -1479,8 +1923,8 @@
         </p:nvSpPr>
         <p:spPr>
           <a:xfrm>
-            <a:off x="3644652" y="1764832"/>
-            <a:ext cx="3060646" cy="864917"/>
+            <a:off x="4374387" y="1411865"/>
+            <a:ext cx="3673450" cy="691934"/>
           </a:xfrm>
         </p:spPr>
         <p:txBody>
@@ -1488,39 +1932,39 @@
           <a:lstStyle>
             <a:lvl1pPr marL="0" indent="0">
               <a:buNone/>
-              <a:defRPr sz="1890" b="1"/>
+              <a:defRPr sz="2016" b="1"/>
             </a:lvl1pPr>
-            <a:lvl2pPr marL="359954" indent="0">
-              <a:buNone/>
-              <a:defRPr sz="1575" b="1"/>
+            <a:lvl2pPr marL="383957" indent="0">
+              <a:buNone/>
+              <a:defRPr sz="1680" b="1"/>
             </a:lvl2pPr>
-            <a:lvl3pPr marL="719907" indent="0">
-              <a:buNone/>
-              <a:defRPr sz="1417" b="1"/>
+            <a:lvl3pPr marL="767913" indent="0">
+              <a:buNone/>
+              <a:defRPr sz="1512" b="1"/>
             </a:lvl3pPr>
-            <a:lvl4pPr marL="1079861" indent="0">
-              <a:buNone/>
-              <a:defRPr sz="1260" b="1"/>
+            <a:lvl4pPr marL="1151870" indent="0">
+              <a:buNone/>
+              <a:defRPr sz="1344" b="1"/>
             </a:lvl4pPr>
-            <a:lvl5pPr marL="1439814" indent="0">
-              <a:buNone/>
-              <a:defRPr sz="1260" b="1"/>
+            <a:lvl5pPr marL="1535826" indent="0">
+              <a:buNone/>
+              <a:defRPr sz="1344" b="1"/>
             </a:lvl5pPr>
-            <a:lvl6pPr marL="1799768" indent="0">
-              <a:buNone/>
-              <a:defRPr sz="1260" b="1"/>
+            <a:lvl6pPr marL="1919783" indent="0">
+              <a:buNone/>
+              <a:defRPr sz="1344" b="1"/>
             </a:lvl6pPr>
-            <a:lvl7pPr marL="2159721" indent="0">
-              <a:buNone/>
-              <a:defRPr sz="1260" b="1"/>
+            <a:lvl7pPr marL="2303739" indent="0">
+              <a:buNone/>
+              <a:defRPr sz="1344" b="1"/>
             </a:lvl7pPr>
-            <a:lvl8pPr marL="2519675" indent="0">
-              <a:buNone/>
-              <a:defRPr sz="1260" b="1"/>
+            <a:lvl8pPr marL="2687696" indent="0">
+              <a:buNone/>
+              <a:defRPr sz="1344" b="1"/>
             </a:lvl8pPr>
-            <a:lvl9pPr marL="2879628" indent="0">
-              <a:buNone/>
-              <a:defRPr sz="1260" b="1"/>
+            <a:lvl9pPr marL="3071652" indent="0">
+              <a:buNone/>
+              <a:defRPr sz="1344" b="1"/>
             </a:lvl9pPr>
           </a:lstStyle>
           <a:p>
@@ -1544,8 +1988,8 @@
         </p:nvSpPr>
         <p:spPr>
           <a:xfrm>
-            <a:off x="3644652" y="2629749"/>
-            <a:ext cx="3060646" cy="3867965"/>
+            <a:off x="4374387" y="2103799"/>
+            <a:ext cx="3673450" cy="3094372"/>
           </a:xfrm>
         </p:spPr>
         <p:txBody>
@@ -1604,9 +2048,9 @@
           <a:bodyPr/>
           <a:lstStyle/>
           <a:p>
-            <a:fld id="{380C02A5-7496-7343-88E2-7AE37D1DE183}" type="datetimeFigureOut">
+            <a:fld id="{36ACD466-D226-3943-8FAD-4040495CECA9}" type="datetimeFigureOut">
               <a:rPr lang="en-GB" smtClean="0"/>
-              <a:t>12/10/2024</a:t>
+              <a:t>29/10/2024</a:t>
             </a:fld>
             <a:endParaRPr lang="en-GB"/>
           </a:p>
@@ -1646,7 +2090,7 @@
           <a:bodyPr/>
           <a:lstStyle/>
           <a:p>
-            <a:fld id="{85461FA1-5D31-B846-B3EF-69CE49F1D6C8}" type="slidenum">
+            <a:fld id="{73F9DABC-24C5-6645-86C4-D3B0909A60A7}" type="slidenum">
               <a:rPr lang="en-GB" smtClean="0"/>
               <a:t>‹#›</a:t>
             </a:fld>
@@ -1657,7 +2101,7 @@
     </p:spTree>
     <p:extLst>
       <p:ext uri="{BB962C8B-B14F-4D97-AF65-F5344CB8AC3E}">
-        <p14:creationId xmlns:p14="http://schemas.microsoft.com/office/powerpoint/2010/main" val="981853728"/>
+        <p14:creationId xmlns:p14="http://schemas.microsoft.com/office/powerpoint/2010/main" val="4126458564"/>
       </p:ext>
     </p:extLst>
   </p:cSld>
@@ -1722,9 +2166,9 @@
           <a:bodyPr/>
           <a:lstStyle/>
           <a:p>
-            <a:fld id="{380C02A5-7496-7343-88E2-7AE37D1DE183}" type="datetimeFigureOut">
+            <a:fld id="{36ACD466-D226-3943-8FAD-4040495CECA9}" type="datetimeFigureOut">
               <a:rPr lang="en-GB" smtClean="0"/>
-              <a:t>12/10/2024</a:t>
+              <a:t>29/10/2024</a:t>
             </a:fld>
             <a:endParaRPr lang="en-GB"/>
           </a:p>
@@ -1764,7 +2208,7 @@
           <a:bodyPr/>
           <a:lstStyle/>
           <a:p>
-            <a:fld id="{85461FA1-5D31-B846-B3EF-69CE49F1D6C8}" type="slidenum">
+            <a:fld id="{73F9DABC-24C5-6645-86C4-D3B0909A60A7}" type="slidenum">
               <a:rPr lang="en-GB" smtClean="0"/>
               <a:t>‹#›</a:t>
             </a:fld>
@@ -1775,7 +2219,7 @@
     </p:spTree>
     <p:extLst>
       <p:ext uri="{BB962C8B-B14F-4D97-AF65-F5344CB8AC3E}">
-        <p14:creationId xmlns:p14="http://schemas.microsoft.com/office/powerpoint/2010/main" val="1682607238"/>
+        <p14:creationId xmlns:p14="http://schemas.microsoft.com/office/powerpoint/2010/main" val="1161045230"/>
       </p:ext>
     </p:extLst>
   </p:cSld>
@@ -1817,9 +2261,9 @@
           <a:bodyPr/>
           <a:lstStyle/>
           <a:p>
-            <a:fld id="{380C02A5-7496-7343-88E2-7AE37D1DE183}" type="datetimeFigureOut">
+            <a:fld id="{36ACD466-D226-3943-8FAD-4040495CECA9}" type="datetimeFigureOut">
               <a:rPr lang="en-GB" smtClean="0"/>
-              <a:t>12/10/2024</a:t>
+              <a:t>29/10/2024</a:t>
             </a:fld>
             <a:endParaRPr lang="en-GB"/>
           </a:p>
@@ -1859,7 +2303,7 @@
           <a:bodyPr/>
           <a:lstStyle/>
           <a:p>
-            <a:fld id="{85461FA1-5D31-B846-B3EF-69CE49F1D6C8}" type="slidenum">
+            <a:fld id="{73F9DABC-24C5-6645-86C4-D3B0909A60A7}" type="slidenum">
               <a:rPr lang="en-GB" smtClean="0"/>
               <a:t>‹#›</a:t>
             </a:fld>
@@ -1870,7 +2314,7 @@
     </p:spTree>
     <p:extLst>
       <p:ext uri="{BB962C8B-B14F-4D97-AF65-F5344CB8AC3E}">
-        <p14:creationId xmlns:p14="http://schemas.microsoft.com/office/powerpoint/2010/main" val="1609173642"/>
+        <p14:creationId xmlns:p14="http://schemas.microsoft.com/office/powerpoint/2010/main" val="3699047208"/>
       </p:ext>
     </p:extLst>
   </p:cSld>
@@ -1909,15 +2353,15 @@
         </p:nvSpPr>
         <p:spPr>
           <a:xfrm>
-            <a:off x="495890" y="479954"/>
-            <a:ext cx="2321966" cy="1679840"/>
+            <a:off x="595178" y="383963"/>
+            <a:ext cx="2786871" cy="1343872"/>
           </a:xfrm>
         </p:spPr>
         <p:txBody>
           <a:bodyPr anchor="b"/>
           <a:lstStyle>
             <a:lvl1pPr>
-              <a:defRPr sz="2519"/>
+              <a:defRPr sz="2687"/>
             </a:lvl1pPr>
           </a:lstStyle>
           <a:p>
@@ -1941,39 +2385,39 @@
         </p:nvSpPr>
         <p:spPr>
           <a:xfrm>
-            <a:off x="3060646" y="1036570"/>
-            <a:ext cx="3644652" cy="5116178"/>
+            <a:off x="3673450" y="829256"/>
+            <a:ext cx="4374386" cy="4092942"/>
           </a:xfrm>
         </p:spPr>
         <p:txBody>
           <a:bodyPr/>
           <a:lstStyle>
             <a:lvl1pPr>
-              <a:defRPr sz="2519"/>
+              <a:defRPr sz="2687"/>
             </a:lvl1pPr>
             <a:lvl2pPr>
-              <a:defRPr sz="2204"/>
+              <a:defRPr sz="2351"/>
             </a:lvl2pPr>
             <a:lvl3pPr>
-              <a:defRPr sz="1890"/>
+              <a:defRPr sz="2016"/>
             </a:lvl3pPr>
             <a:lvl4pPr>
-              <a:defRPr sz="1575"/>
+              <a:defRPr sz="1680"/>
             </a:lvl4pPr>
             <a:lvl5pPr>
-              <a:defRPr sz="1575"/>
+              <a:defRPr sz="1680"/>
             </a:lvl5pPr>
             <a:lvl6pPr>
-              <a:defRPr sz="1575"/>
+              <a:defRPr sz="1680"/>
             </a:lvl6pPr>
             <a:lvl7pPr>
-              <a:defRPr sz="1575"/>
+              <a:defRPr sz="1680"/>
             </a:lvl7pPr>
             <a:lvl8pPr>
-              <a:defRPr sz="1575"/>
+              <a:defRPr sz="1680"/>
             </a:lvl8pPr>
             <a:lvl9pPr>
-              <a:defRPr sz="1575"/>
+              <a:defRPr sz="1680"/>
             </a:lvl9pPr>
           </a:lstStyle>
           <a:p>
@@ -2026,8 +2470,8 @@
         </p:nvSpPr>
         <p:spPr>
           <a:xfrm>
-            <a:off x="495890" y="2159794"/>
-            <a:ext cx="2321966" cy="4001285"/>
+            <a:off x="595178" y="1727835"/>
+            <a:ext cx="2786871" cy="3201028"/>
           </a:xfrm>
         </p:spPr>
         <p:txBody>
@@ -2035,39 +2479,39 @@
           <a:lstStyle>
             <a:lvl1pPr marL="0" indent="0">
               <a:buNone/>
-              <a:defRPr sz="1260"/>
+              <a:defRPr sz="1344"/>
             </a:lvl1pPr>
-            <a:lvl2pPr marL="359954" indent="0">
-              <a:buNone/>
-              <a:defRPr sz="1102"/>
+            <a:lvl2pPr marL="383957" indent="0">
+              <a:buNone/>
+              <a:defRPr sz="1176"/>
             </a:lvl2pPr>
-            <a:lvl3pPr marL="719907" indent="0">
-              <a:buNone/>
-              <a:defRPr sz="945"/>
+            <a:lvl3pPr marL="767913" indent="0">
+              <a:buNone/>
+              <a:defRPr sz="1008"/>
             </a:lvl3pPr>
-            <a:lvl4pPr marL="1079861" indent="0">
-              <a:buNone/>
-              <a:defRPr sz="787"/>
+            <a:lvl4pPr marL="1151870" indent="0">
+              <a:buNone/>
+              <a:defRPr sz="840"/>
             </a:lvl4pPr>
-            <a:lvl5pPr marL="1439814" indent="0">
-              <a:buNone/>
-              <a:defRPr sz="787"/>
+            <a:lvl5pPr marL="1535826" indent="0">
+              <a:buNone/>
+              <a:defRPr sz="840"/>
             </a:lvl5pPr>
-            <a:lvl6pPr marL="1799768" indent="0">
-              <a:buNone/>
-              <a:defRPr sz="787"/>
+            <a:lvl6pPr marL="1919783" indent="0">
+              <a:buNone/>
+              <a:defRPr sz="840"/>
             </a:lvl6pPr>
-            <a:lvl7pPr marL="2159721" indent="0">
-              <a:buNone/>
-              <a:defRPr sz="787"/>
+            <a:lvl7pPr marL="2303739" indent="0">
+              <a:buNone/>
+              <a:defRPr sz="840"/>
             </a:lvl7pPr>
-            <a:lvl8pPr marL="2519675" indent="0">
-              <a:buNone/>
-              <a:defRPr sz="787"/>
+            <a:lvl8pPr marL="2687696" indent="0">
+              <a:buNone/>
+              <a:defRPr sz="840"/>
             </a:lvl8pPr>
-            <a:lvl9pPr marL="2879628" indent="0">
-              <a:buNone/>
-              <a:defRPr sz="787"/>
+            <a:lvl9pPr marL="3071652" indent="0">
+              <a:buNone/>
+              <a:defRPr sz="840"/>
             </a:lvl9pPr>
           </a:lstStyle>
           <a:p>
@@ -2094,9 +2538,9 @@
           <a:bodyPr/>
           <a:lstStyle/>
           <a:p>
-            <a:fld id="{380C02A5-7496-7343-88E2-7AE37D1DE183}" type="datetimeFigureOut">
+            <a:fld id="{36ACD466-D226-3943-8FAD-4040495CECA9}" type="datetimeFigureOut">
               <a:rPr lang="en-GB" smtClean="0"/>
-              <a:t>12/10/2024</a:t>
+              <a:t>29/10/2024</a:t>
             </a:fld>
             <a:endParaRPr lang="en-GB"/>
           </a:p>
@@ -2136,7 +2580,7 @@
           <a:bodyPr/>
           <a:lstStyle/>
           <a:p>
-            <a:fld id="{85461FA1-5D31-B846-B3EF-69CE49F1D6C8}" type="slidenum">
+            <a:fld id="{73F9DABC-24C5-6645-86C4-D3B0909A60A7}" type="slidenum">
               <a:rPr lang="en-GB" smtClean="0"/>
               <a:t>‹#›</a:t>
             </a:fld>
@@ -2147,7 +2591,7 @@
     </p:spTree>
     <p:extLst>
       <p:ext uri="{BB962C8B-B14F-4D97-AF65-F5344CB8AC3E}">
-        <p14:creationId xmlns:p14="http://schemas.microsoft.com/office/powerpoint/2010/main" val="662693305"/>
+        <p14:creationId xmlns:p14="http://schemas.microsoft.com/office/powerpoint/2010/main" val="502085184"/>
       </p:ext>
     </p:extLst>
   </p:cSld>
@@ -2186,15 +2630,15 @@
         </p:nvSpPr>
         <p:spPr>
           <a:xfrm>
-            <a:off x="495890" y="479954"/>
-            <a:ext cx="2321966" cy="1679840"/>
+            <a:off x="595178" y="383963"/>
+            <a:ext cx="2786871" cy="1343872"/>
           </a:xfrm>
         </p:spPr>
         <p:txBody>
           <a:bodyPr anchor="b"/>
           <a:lstStyle>
             <a:lvl1pPr>
-              <a:defRPr sz="2519"/>
+              <a:defRPr sz="2687"/>
             </a:lvl1pPr>
           </a:lstStyle>
           <a:p>
@@ -2218,8 +2662,8 @@
         </p:nvSpPr>
         <p:spPr>
           <a:xfrm>
-            <a:off x="3060646" y="1036570"/>
-            <a:ext cx="3644652" cy="5116178"/>
+            <a:off x="3673450" y="829256"/>
+            <a:ext cx="4374386" cy="4092942"/>
           </a:xfrm>
         </p:spPr>
         <p:txBody>
@@ -2227,39 +2671,39 @@
           <a:lstStyle>
             <a:lvl1pPr marL="0" indent="0">
               <a:buNone/>
-              <a:defRPr sz="2519"/>
+              <a:defRPr sz="2687"/>
             </a:lvl1pPr>
-            <a:lvl2pPr marL="359954" indent="0">
-              <a:buNone/>
-              <a:defRPr sz="2204"/>
+            <a:lvl2pPr marL="383957" indent="0">
+              <a:buNone/>
+              <a:defRPr sz="2351"/>
             </a:lvl2pPr>
-            <a:lvl3pPr marL="719907" indent="0">
-              <a:buNone/>
-              <a:defRPr sz="1890"/>
+            <a:lvl3pPr marL="767913" indent="0">
+              <a:buNone/>
+              <a:defRPr sz="2016"/>
             </a:lvl3pPr>
-            <a:lvl4pPr marL="1079861" indent="0">
-              <a:buNone/>
-              <a:defRPr sz="1575"/>
+            <a:lvl4pPr marL="1151870" indent="0">
+              <a:buNone/>
+              <a:defRPr sz="1680"/>
             </a:lvl4pPr>
-            <a:lvl5pPr marL="1439814" indent="0">
-              <a:buNone/>
-              <a:defRPr sz="1575"/>
+            <a:lvl5pPr marL="1535826" indent="0">
+              <a:buNone/>
+              <a:defRPr sz="1680"/>
             </a:lvl5pPr>
-            <a:lvl6pPr marL="1799768" indent="0">
-              <a:buNone/>
-              <a:defRPr sz="1575"/>
+            <a:lvl6pPr marL="1919783" indent="0">
+              <a:buNone/>
+              <a:defRPr sz="1680"/>
             </a:lvl6pPr>
-            <a:lvl7pPr marL="2159721" indent="0">
-              <a:buNone/>
-              <a:defRPr sz="1575"/>
+            <a:lvl7pPr marL="2303739" indent="0">
+              <a:buNone/>
+              <a:defRPr sz="1680"/>
             </a:lvl7pPr>
-            <a:lvl8pPr marL="2519675" indent="0">
-              <a:buNone/>
-              <a:defRPr sz="1575"/>
+            <a:lvl8pPr marL="2687696" indent="0">
+              <a:buNone/>
+              <a:defRPr sz="1680"/>
             </a:lvl8pPr>
-            <a:lvl9pPr marL="2879628" indent="0">
-              <a:buNone/>
-              <a:defRPr sz="1575"/>
+            <a:lvl9pPr marL="3071652" indent="0">
+              <a:buNone/>
+              <a:defRPr sz="1680"/>
             </a:lvl9pPr>
           </a:lstStyle>
           <a:p>
@@ -2283,8 +2727,8 @@
         </p:nvSpPr>
         <p:spPr>
           <a:xfrm>
-            <a:off x="495890" y="2159794"/>
-            <a:ext cx="2321966" cy="4001285"/>
+            <a:off x="595178" y="1727835"/>
+            <a:ext cx="2786871" cy="3201028"/>
           </a:xfrm>
         </p:spPr>
         <p:txBody>
@@ -2292,39 +2736,39 @@
           <a:lstStyle>
             <a:lvl1pPr marL="0" indent="0">
               <a:buNone/>
-              <a:defRPr sz="1260"/>
+              <a:defRPr sz="1344"/>
             </a:lvl1pPr>
-            <a:lvl2pPr marL="359954" indent="0">
-              <a:buNone/>
-              <a:defRPr sz="1102"/>
+            <a:lvl2pPr marL="383957" indent="0">
+              <a:buNone/>
+              <a:defRPr sz="1176"/>
             </a:lvl2pPr>
-            <a:lvl3pPr marL="719907" indent="0">
-              <a:buNone/>
-              <a:defRPr sz="945"/>
+            <a:lvl3pPr marL="767913" indent="0">
+              <a:buNone/>
+              <a:defRPr sz="1008"/>
             </a:lvl3pPr>
-            <a:lvl4pPr marL="1079861" indent="0">
-              <a:buNone/>
-              <a:defRPr sz="787"/>
+            <a:lvl4pPr marL="1151870" indent="0">
+              <a:buNone/>
+              <a:defRPr sz="840"/>
             </a:lvl4pPr>
-            <a:lvl5pPr marL="1439814" indent="0">
-              <a:buNone/>
-              <a:defRPr sz="787"/>
+            <a:lvl5pPr marL="1535826" indent="0">
+              <a:buNone/>
+              <a:defRPr sz="840"/>
             </a:lvl5pPr>
-            <a:lvl6pPr marL="1799768" indent="0">
-              <a:buNone/>
-              <a:defRPr sz="787"/>
+            <a:lvl6pPr marL="1919783" indent="0">
+              <a:buNone/>
+              <a:defRPr sz="840"/>
             </a:lvl6pPr>
-            <a:lvl7pPr marL="2159721" indent="0">
-              <a:buNone/>
-              <a:defRPr sz="787"/>
+            <a:lvl7pPr marL="2303739" indent="0">
+              <a:buNone/>
+              <a:defRPr sz="840"/>
             </a:lvl7pPr>
-            <a:lvl8pPr marL="2519675" indent="0">
-              <a:buNone/>
-              <a:defRPr sz="787"/>
+            <a:lvl8pPr marL="2687696" indent="0">
+              <a:buNone/>
+              <a:defRPr sz="840"/>
             </a:lvl8pPr>
-            <a:lvl9pPr marL="2879628" indent="0">
-              <a:buNone/>
-              <a:defRPr sz="787"/>
+            <a:lvl9pPr marL="3071652" indent="0">
+              <a:buNone/>
+              <a:defRPr sz="840"/>
             </a:lvl9pPr>
           </a:lstStyle>
           <a:p>
@@ -2351,9 +2795,9 @@
           <a:bodyPr/>
           <a:lstStyle/>
           <a:p>
-            <a:fld id="{380C02A5-7496-7343-88E2-7AE37D1DE183}" type="datetimeFigureOut">
+            <a:fld id="{36ACD466-D226-3943-8FAD-4040495CECA9}" type="datetimeFigureOut">
               <a:rPr lang="en-GB" smtClean="0"/>
-              <a:t>12/10/2024</a:t>
+              <a:t>29/10/2024</a:t>
             </a:fld>
             <a:endParaRPr lang="en-GB"/>
           </a:p>
@@ -2393,7 +2837,7 @@
           <a:bodyPr/>
           <a:lstStyle/>
           <a:p>
-            <a:fld id="{85461FA1-5D31-B846-B3EF-69CE49F1D6C8}" type="slidenum">
+            <a:fld id="{73F9DABC-24C5-6645-86C4-D3B0909A60A7}" type="slidenum">
               <a:rPr lang="en-GB" smtClean="0"/>
               <a:t>‹#›</a:t>
             </a:fld>
@@ -2404,7 +2848,7 @@
     </p:spTree>
     <p:extLst>
       <p:ext uri="{BB962C8B-B14F-4D97-AF65-F5344CB8AC3E}">
-        <p14:creationId xmlns:p14="http://schemas.microsoft.com/office/powerpoint/2010/main" val="1781281429"/>
+        <p14:creationId xmlns:p14="http://schemas.microsoft.com/office/powerpoint/2010/main" val="1025549927"/>
       </p:ext>
     </p:extLst>
   </p:cSld>
@@ -2448,8 +2892,8 @@
         </p:nvSpPr>
         <p:spPr>
           <a:xfrm>
-            <a:off x="494953" y="383299"/>
-            <a:ext cx="6209407" cy="1391534"/>
+            <a:off x="594053" y="306639"/>
+            <a:ext cx="7452658" cy="1113227"/>
           </a:xfrm>
           <a:prstGeom prst="rect">
             <a:avLst/>
@@ -2481,8 +2925,8 @@
         </p:nvSpPr>
         <p:spPr>
           <a:xfrm>
-            <a:off x="494953" y="1916484"/>
-            <a:ext cx="6209407" cy="4567898"/>
+            <a:off x="594053" y="1533187"/>
+            <a:ext cx="7452658" cy="3654318"/>
           </a:xfrm>
           <a:prstGeom prst="rect">
             <a:avLst/>
@@ -2543,8 +2987,8 @@
         </p:nvSpPr>
         <p:spPr>
           <a:xfrm>
-            <a:off x="494953" y="6672698"/>
-            <a:ext cx="1619845" cy="383297"/>
+            <a:off x="594052" y="5338158"/>
+            <a:ext cx="1944172" cy="306637"/>
           </a:xfrm>
           <a:prstGeom prst="rect">
             <a:avLst/>
@@ -2554,7 +2998,7 @@
           <a:bodyPr vert="horz" lIns="91440" tIns="45720" rIns="91440" bIns="45720" rtlCol="0" anchor="ctr"/>
           <a:lstStyle>
             <a:lvl1pPr algn="l">
-              <a:defRPr sz="945">
+              <a:defRPr sz="1008">
                 <a:solidFill>
                   <a:schemeClr val="tx1">
                     <a:tint val="75000"/>
@@ -2564,9 +3008,9 @@
             </a:lvl1pPr>
           </a:lstStyle>
           <a:p>
-            <a:fld id="{380C02A5-7496-7343-88E2-7AE37D1DE183}" type="datetimeFigureOut">
+            <a:fld id="{36ACD466-D226-3943-8FAD-4040495CECA9}" type="datetimeFigureOut">
               <a:rPr lang="en-GB" smtClean="0"/>
-              <a:t>12/10/2024</a:t>
+              <a:t>29/10/2024</a:t>
             </a:fld>
             <a:endParaRPr lang="en-GB"/>
           </a:p>
@@ -2584,8 +3028,8 @@
         </p:nvSpPr>
         <p:spPr>
           <a:xfrm>
-            <a:off x="2384773" y="6672698"/>
-            <a:ext cx="2429768" cy="383297"/>
+            <a:off x="2862253" y="5338158"/>
+            <a:ext cx="2916258" cy="306637"/>
           </a:xfrm>
           <a:prstGeom prst="rect">
             <a:avLst/>
@@ -2595,7 +3039,7 @@
           <a:bodyPr vert="horz" lIns="91440" tIns="45720" rIns="91440" bIns="45720" rtlCol="0" anchor="ctr"/>
           <a:lstStyle>
             <a:lvl1pPr algn="ctr">
-              <a:defRPr sz="945">
+              <a:defRPr sz="1008">
                 <a:solidFill>
                   <a:schemeClr val="tx1">
                     <a:tint val="75000"/>
@@ -2621,8 +3065,8 @@
         </p:nvSpPr>
         <p:spPr>
           <a:xfrm>
-            <a:off x="5084515" y="6672698"/>
-            <a:ext cx="1619845" cy="383297"/>
+            <a:off x="6102539" y="5338158"/>
+            <a:ext cx="1944172" cy="306637"/>
           </a:xfrm>
           <a:prstGeom prst="rect">
             <a:avLst/>
@@ -2632,7 +3076,7 @@
           <a:bodyPr vert="horz" lIns="91440" tIns="45720" rIns="91440" bIns="45720" rtlCol="0" anchor="ctr"/>
           <a:lstStyle>
             <a:lvl1pPr algn="r">
-              <a:defRPr sz="945">
+              <a:defRPr sz="1008">
                 <a:solidFill>
                   <a:schemeClr val="tx1">
                     <a:tint val="75000"/>
@@ -2642,7 +3086,7 @@
             </a:lvl1pPr>
           </a:lstStyle>
           <a:p>
-            <a:fld id="{85461FA1-5D31-B846-B3EF-69CE49F1D6C8}" type="slidenum">
+            <a:fld id="{73F9DABC-24C5-6645-86C4-D3B0909A60A7}" type="slidenum">
               <a:rPr lang="en-GB" smtClean="0"/>
               <a:t>‹#›</a:t>
             </a:fld>
@@ -2653,27 +3097,27 @@
     </p:spTree>
     <p:extLst>
       <p:ext uri="{BB962C8B-B14F-4D97-AF65-F5344CB8AC3E}">
-        <p14:creationId xmlns:p14="http://schemas.microsoft.com/office/powerpoint/2010/main" val="2984310259"/>
+        <p14:creationId xmlns:p14="http://schemas.microsoft.com/office/powerpoint/2010/main" val="3661007077"/>
       </p:ext>
     </p:extLst>
   </p:cSld>
   <p:clrMap bg1="lt1" tx1="dk1" bg2="lt2" tx2="dk2" accent1="accent1" accent2="accent2" accent3="accent3" accent4="accent4" accent5="accent5" accent6="accent6" hlink="hlink" folHlink="folHlink"/>
   <p:sldLayoutIdLst>
-    <p:sldLayoutId id="2147483661" r:id="rId1"/>
-    <p:sldLayoutId id="2147483662" r:id="rId2"/>
-    <p:sldLayoutId id="2147483663" r:id="rId3"/>
-    <p:sldLayoutId id="2147483664" r:id="rId4"/>
-    <p:sldLayoutId id="2147483665" r:id="rId5"/>
-    <p:sldLayoutId id="2147483666" r:id="rId6"/>
-    <p:sldLayoutId id="2147483667" r:id="rId7"/>
-    <p:sldLayoutId id="2147483668" r:id="rId8"/>
-    <p:sldLayoutId id="2147483669" r:id="rId9"/>
-    <p:sldLayoutId id="2147483670" r:id="rId10"/>
-    <p:sldLayoutId id="2147483671" r:id="rId11"/>
+    <p:sldLayoutId id="2147483673" r:id="rId1"/>
+    <p:sldLayoutId id="2147483674" r:id="rId2"/>
+    <p:sldLayoutId id="2147483675" r:id="rId3"/>
+    <p:sldLayoutId id="2147483676" r:id="rId4"/>
+    <p:sldLayoutId id="2147483677" r:id="rId5"/>
+    <p:sldLayoutId id="2147483678" r:id="rId6"/>
+    <p:sldLayoutId id="2147483679" r:id="rId7"/>
+    <p:sldLayoutId id="2147483680" r:id="rId8"/>
+    <p:sldLayoutId id="2147483681" r:id="rId9"/>
+    <p:sldLayoutId id="2147483682" r:id="rId10"/>
+    <p:sldLayoutId id="2147483683" r:id="rId11"/>
   </p:sldLayoutIdLst>
   <p:txStyles>
     <p:titleStyle>
-      <a:lvl1pPr algn="l" defTabSz="719907" rtl="0" eaLnBrk="1" latinLnBrk="0" hangingPunct="1">
+      <a:lvl1pPr algn="l" defTabSz="767913" rtl="0" eaLnBrk="1" latinLnBrk="0" hangingPunct="1">
         <a:lnSpc>
           <a:spcPct val="90000"/>
         </a:lnSpc>
@@ -2681,7 +3125,7 @@
           <a:spcPct val="0"/>
         </a:spcBef>
         <a:buNone/>
-        <a:defRPr sz="3464" kern="1200">
+        <a:defRPr sz="3695" kern="1200">
           <a:solidFill>
             <a:schemeClr val="tx1"/>
           </a:solidFill>
@@ -2692,16 +3136,16 @@
       </a:lvl1pPr>
     </p:titleStyle>
     <p:bodyStyle>
-      <a:lvl1pPr marL="179977" indent="-179977" algn="l" defTabSz="719907" rtl="0" eaLnBrk="1" latinLnBrk="0" hangingPunct="1">
+      <a:lvl1pPr marL="191978" indent="-191978" algn="l" defTabSz="767913" rtl="0" eaLnBrk="1" latinLnBrk="0" hangingPunct="1">
         <a:lnSpc>
           <a:spcPct val="90000"/>
         </a:lnSpc>
         <a:spcBef>
-          <a:spcPts val="787"/>
+          <a:spcPts val="840"/>
         </a:spcBef>
         <a:buFont typeface="Arial" panose="020B0604020202020204" pitchFamily="34" charset="0"/>
         <a:buChar char="•"/>
-        <a:defRPr sz="2204" kern="1200">
+        <a:defRPr sz="2351" kern="1200">
           <a:solidFill>
             <a:schemeClr val="tx1"/>
           </a:solidFill>
@@ -2710,16 +3154,16 @@
           <a:cs typeface="+mn-cs"/>
         </a:defRPr>
       </a:lvl1pPr>
-      <a:lvl2pPr marL="539930" indent="-179977" algn="l" defTabSz="719907" rtl="0" eaLnBrk="1" latinLnBrk="0" hangingPunct="1">
+      <a:lvl2pPr marL="575935" indent="-191978" algn="l" defTabSz="767913" rtl="0" eaLnBrk="1" latinLnBrk="0" hangingPunct="1">
         <a:lnSpc>
           <a:spcPct val="90000"/>
         </a:lnSpc>
         <a:spcBef>
-          <a:spcPts val="394"/>
+          <a:spcPts val="420"/>
         </a:spcBef>
         <a:buFont typeface="Arial" panose="020B0604020202020204" pitchFamily="34" charset="0"/>
         <a:buChar char="•"/>
-        <a:defRPr sz="1890" kern="1200">
+        <a:defRPr sz="2016" kern="1200">
           <a:solidFill>
             <a:schemeClr val="tx1"/>
           </a:solidFill>
@@ -2728,16 +3172,16 @@
           <a:cs typeface="+mn-cs"/>
         </a:defRPr>
       </a:lvl2pPr>
-      <a:lvl3pPr marL="899884" indent="-179977" algn="l" defTabSz="719907" rtl="0" eaLnBrk="1" latinLnBrk="0" hangingPunct="1">
+      <a:lvl3pPr marL="959891" indent="-191978" algn="l" defTabSz="767913" rtl="0" eaLnBrk="1" latinLnBrk="0" hangingPunct="1">
         <a:lnSpc>
           <a:spcPct val="90000"/>
         </a:lnSpc>
         <a:spcBef>
-          <a:spcPts val="394"/>
+          <a:spcPts val="420"/>
         </a:spcBef>
         <a:buFont typeface="Arial" panose="020B0604020202020204" pitchFamily="34" charset="0"/>
         <a:buChar char="•"/>
-        <a:defRPr sz="1575" kern="1200">
+        <a:defRPr sz="1680" kern="1200">
           <a:solidFill>
             <a:schemeClr val="tx1"/>
           </a:solidFill>
@@ -2746,16 +3190,16 @@
           <a:cs typeface="+mn-cs"/>
         </a:defRPr>
       </a:lvl3pPr>
-      <a:lvl4pPr marL="1259837" indent="-179977" algn="l" defTabSz="719907" rtl="0" eaLnBrk="1" latinLnBrk="0" hangingPunct="1">
+      <a:lvl4pPr marL="1343848" indent="-191978" algn="l" defTabSz="767913" rtl="0" eaLnBrk="1" latinLnBrk="0" hangingPunct="1">
         <a:lnSpc>
           <a:spcPct val="90000"/>
         </a:lnSpc>
         <a:spcBef>
-          <a:spcPts val="394"/>
+          <a:spcPts val="420"/>
         </a:spcBef>
         <a:buFont typeface="Arial" panose="020B0604020202020204" pitchFamily="34" charset="0"/>
         <a:buChar char="•"/>
-        <a:defRPr sz="1417" kern="1200">
+        <a:defRPr sz="1512" kern="1200">
           <a:solidFill>
             <a:schemeClr val="tx1"/>
           </a:solidFill>
@@ -2764,16 +3208,16 @@
           <a:cs typeface="+mn-cs"/>
         </a:defRPr>
       </a:lvl4pPr>
-      <a:lvl5pPr marL="1619791" indent="-179977" algn="l" defTabSz="719907" rtl="0" eaLnBrk="1" latinLnBrk="0" hangingPunct="1">
+      <a:lvl5pPr marL="1727805" indent="-191978" algn="l" defTabSz="767913" rtl="0" eaLnBrk="1" latinLnBrk="0" hangingPunct="1">
         <a:lnSpc>
           <a:spcPct val="90000"/>
         </a:lnSpc>
         <a:spcBef>
-          <a:spcPts val="394"/>
+          <a:spcPts val="420"/>
         </a:spcBef>
         <a:buFont typeface="Arial" panose="020B0604020202020204" pitchFamily="34" charset="0"/>
         <a:buChar char="•"/>
-        <a:defRPr sz="1417" kern="1200">
+        <a:defRPr sz="1512" kern="1200">
           <a:solidFill>
             <a:schemeClr val="tx1"/>
           </a:solidFill>
@@ -2782,16 +3226,16 @@
           <a:cs typeface="+mn-cs"/>
         </a:defRPr>
       </a:lvl5pPr>
-      <a:lvl6pPr marL="1979745" indent="-179977" algn="l" defTabSz="719907" rtl="0" eaLnBrk="1" latinLnBrk="0" hangingPunct="1">
+      <a:lvl6pPr marL="2111761" indent="-191978" algn="l" defTabSz="767913" rtl="0" eaLnBrk="1" latinLnBrk="0" hangingPunct="1">
         <a:lnSpc>
           <a:spcPct val="90000"/>
         </a:lnSpc>
         <a:spcBef>
-          <a:spcPts val="394"/>
+          <a:spcPts val="420"/>
         </a:spcBef>
         <a:buFont typeface="Arial" panose="020B0604020202020204" pitchFamily="34" charset="0"/>
         <a:buChar char="•"/>
-        <a:defRPr sz="1417" kern="1200">
+        <a:defRPr sz="1512" kern="1200">
           <a:solidFill>
             <a:schemeClr val="tx1"/>
           </a:solidFill>
@@ -2800,16 +3244,16 @@
           <a:cs typeface="+mn-cs"/>
         </a:defRPr>
       </a:lvl6pPr>
-      <a:lvl7pPr marL="2339698" indent="-179977" algn="l" defTabSz="719907" rtl="0" eaLnBrk="1" latinLnBrk="0" hangingPunct="1">
+      <a:lvl7pPr marL="2495718" indent="-191978" algn="l" defTabSz="767913" rtl="0" eaLnBrk="1" latinLnBrk="0" hangingPunct="1">
         <a:lnSpc>
           <a:spcPct val="90000"/>
         </a:lnSpc>
         <a:spcBef>
-          <a:spcPts val="394"/>
+          <a:spcPts val="420"/>
         </a:spcBef>
         <a:buFont typeface="Arial" panose="020B0604020202020204" pitchFamily="34" charset="0"/>
         <a:buChar char="•"/>
-        <a:defRPr sz="1417" kern="1200">
+        <a:defRPr sz="1512" kern="1200">
           <a:solidFill>
             <a:schemeClr val="tx1"/>
           </a:solidFill>
@@ -2818,16 +3262,16 @@
           <a:cs typeface="+mn-cs"/>
         </a:defRPr>
       </a:lvl7pPr>
-      <a:lvl8pPr marL="2699652" indent="-179977" algn="l" defTabSz="719907" rtl="0" eaLnBrk="1" latinLnBrk="0" hangingPunct="1">
+      <a:lvl8pPr marL="2879674" indent="-191978" algn="l" defTabSz="767913" rtl="0" eaLnBrk="1" latinLnBrk="0" hangingPunct="1">
         <a:lnSpc>
           <a:spcPct val="90000"/>
         </a:lnSpc>
         <a:spcBef>
-          <a:spcPts val="394"/>
+          <a:spcPts val="420"/>
         </a:spcBef>
         <a:buFont typeface="Arial" panose="020B0604020202020204" pitchFamily="34" charset="0"/>
         <a:buChar char="•"/>
-        <a:defRPr sz="1417" kern="1200">
+        <a:defRPr sz="1512" kern="1200">
           <a:solidFill>
             <a:schemeClr val="tx1"/>
           </a:solidFill>
@@ -2836,16 +3280,16 @@
           <a:cs typeface="+mn-cs"/>
         </a:defRPr>
       </a:lvl8pPr>
-      <a:lvl9pPr marL="3059605" indent="-179977" algn="l" defTabSz="719907" rtl="0" eaLnBrk="1" latinLnBrk="0" hangingPunct="1">
+      <a:lvl9pPr marL="3263631" indent="-191978" algn="l" defTabSz="767913" rtl="0" eaLnBrk="1" latinLnBrk="0" hangingPunct="1">
         <a:lnSpc>
           <a:spcPct val="90000"/>
         </a:lnSpc>
         <a:spcBef>
-          <a:spcPts val="394"/>
+          <a:spcPts val="420"/>
         </a:spcBef>
         <a:buFont typeface="Arial" panose="020B0604020202020204" pitchFamily="34" charset="0"/>
         <a:buChar char="•"/>
-        <a:defRPr sz="1417" kern="1200">
+        <a:defRPr sz="1512" kern="1200">
           <a:solidFill>
             <a:schemeClr val="tx1"/>
           </a:solidFill>
@@ -2859,8 +3303,8 @@
       <a:defPPr>
         <a:defRPr lang="en-US"/>
       </a:defPPr>
-      <a:lvl1pPr marL="0" algn="l" defTabSz="719907" rtl="0" eaLnBrk="1" latinLnBrk="0" hangingPunct="1">
-        <a:defRPr sz="1417" kern="1200">
+      <a:lvl1pPr marL="0" algn="l" defTabSz="767913" rtl="0" eaLnBrk="1" latinLnBrk="0" hangingPunct="1">
+        <a:defRPr sz="1512" kern="1200">
           <a:solidFill>
             <a:schemeClr val="tx1"/>
           </a:solidFill>
@@ -2869,8 +3313,8 @@
           <a:cs typeface="+mn-cs"/>
         </a:defRPr>
       </a:lvl1pPr>
-      <a:lvl2pPr marL="359954" algn="l" defTabSz="719907" rtl="0" eaLnBrk="1" latinLnBrk="0" hangingPunct="1">
-        <a:defRPr sz="1417" kern="1200">
+      <a:lvl2pPr marL="383957" algn="l" defTabSz="767913" rtl="0" eaLnBrk="1" latinLnBrk="0" hangingPunct="1">
+        <a:defRPr sz="1512" kern="1200">
           <a:solidFill>
             <a:schemeClr val="tx1"/>
           </a:solidFill>
@@ -2879,8 +3323,8 @@
           <a:cs typeface="+mn-cs"/>
         </a:defRPr>
       </a:lvl2pPr>
-      <a:lvl3pPr marL="719907" algn="l" defTabSz="719907" rtl="0" eaLnBrk="1" latinLnBrk="0" hangingPunct="1">
-        <a:defRPr sz="1417" kern="1200">
+      <a:lvl3pPr marL="767913" algn="l" defTabSz="767913" rtl="0" eaLnBrk="1" latinLnBrk="0" hangingPunct="1">
+        <a:defRPr sz="1512" kern="1200">
           <a:solidFill>
             <a:schemeClr val="tx1"/>
           </a:solidFill>
@@ -2889,8 +3333,8 @@
           <a:cs typeface="+mn-cs"/>
         </a:defRPr>
       </a:lvl3pPr>
-      <a:lvl4pPr marL="1079861" algn="l" defTabSz="719907" rtl="0" eaLnBrk="1" latinLnBrk="0" hangingPunct="1">
-        <a:defRPr sz="1417" kern="1200">
+      <a:lvl4pPr marL="1151870" algn="l" defTabSz="767913" rtl="0" eaLnBrk="1" latinLnBrk="0" hangingPunct="1">
+        <a:defRPr sz="1512" kern="1200">
           <a:solidFill>
             <a:schemeClr val="tx1"/>
           </a:solidFill>
@@ -2899,8 +3343,8 @@
           <a:cs typeface="+mn-cs"/>
         </a:defRPr>
       </a:lvl4pPr>
-      <a:lvl5pPr marL="1439814" algn="l" defTabSz="719907" rtl="0" eaLnBrk="1" latinLnBrk="0" hangingPunct="1">
-        <a:defRPr sz="1417" kern="1200">
+      <a:lvl5pPr marL="1535826" algn="l" defTabSz="767913" rtl="0" eaLnBrk="1" latinLnBrk="0" hangingPunct="1">
+        <a:defRPr sz="1512" kern="1200">
           <a:solidFill>
             <a:schemeClr val="tx1"/>
           </a:solidFill>
@@ -2909,8 +3353,8 @@
           <a:cs typeface="+mn-cs"/>
         </a:defRPr>
       </a:lvl5pPr>
-      <a:lvl6pPr marL="1799768" algn="l" defTabSz="719907" rtl="0" eaLnBrk="1" latinLnBrk="0" hangingPunct="1">
-        <a:defRPr sz="1417" kern="1200">
+      <a:lvl6pPr marL="1919783" algn="l" defTabSz="767913" rtl="0" eaLnBrk="1" latinLnBrk="0" hangingPunct="1">
+        <a:defRPr sz="1512" kern="1200">
           <a:solidFill>
             <a:schemeClr val="tx1"/>
           </a:solidFill>
@@ -2919,8 +3363,8 @@
           <a:cs typeface="+mn-cs"/>
         </a:defRPr>
       </a:lvl6pPr>
-      <a:lvl7pPr marL="2159721" algn="l" defTabSz="719907" rtl="0" eaLnBrk="1" latinLnBrk="0" hangingPunct="1">
-        <a:defRPr sz="1417" kern="1200">
+      <a:lvl7pPr marL="2303739" algn="l" defTabSz="767913" rtl="0" eaLnBrk="1" latinLnBrk="0" hangingPunct="1">
+        <a:defRPr sz="1512" kern="1200">
           <a:solidFill>
             <a:schemeClr val="tx1"/>
           </a:solidFill>
@@ -2929,8 +3373,8 @@
           <a:cs typeface="+mn-cs"/>
         </a:defRPr>
       </a:lvl7pPr>
-      <a:lvl8pPr marL="2519675" algn="l" defTabSz="719907" rtl="0" eaLnBrk="1" latinLnBrk="0" hangingPunct="1">
-        <a:defRPr sz="1417" kern="1200">
+      <a:lvl8pPr marL="2687696" algn="l" defTabSz="767913" rtl="0" eaLnBrk="1" latinLnBrk="0" hangingPunct="1">
+        <a:defRPr sz="1512" kern="1200">
           <a:solidFill>
             <a:schemeClr val="tx1"/>
           </a:solidFill>
@@ -2939,8 +3383,8 @@
           <a:cs typeface="+mn-cs"/>
         </a:defRPr>
       </a:lvl8pPr>
-      <a:lvl9pPr marL="2879628" algn="l" defTabSz="719907" rtl="0" eaLnBrk="1" latinLnBrk="0" hangingPunct="1">
-        <a:defRPr sz="1417" kern="1200">
+      <a:lvl9pPr marL="3071652" algn="l" defTabSz="767913" rtl="0" eaLnBrk="1" latinLnBrk="0" hangingPunct="1">
+        <a:defRPr sz="1512" kern="1200">
           <a:solidFill>
             <a:schemeClr val="tx1"/>
           </a:solidFill>
@@ -2975,10 +3419,10 @@
         <mc:Choice xmlns:pslz="http://schemas.microsoft.com/office/powerpoint/2016/slidezoom" Requires="pslz">
           <p:graphicFrame>
             <p:nvGraphicFramePr>
-              <p:cNvPr id="6" name="Slide Zoom 5">
+              <p:cNvPr id="10" name="Slide Zoom 9">
                 <a:extLst>
                   <a:ext uri="{FF2B5EF4-FFF2-40B4-BE49-F238E27FC236}">
-                    <a16:creationId xmlns:a16="http://schemas.microsoft.com/office/drawing/2014/main" id="{7B9090E6-F384-23ED-B66D-E5E0DFA331DD}"/>
+                    <a16:creationId xmlns:a16="http://schemas.microsoft.com/office/drawing/2014/main" id="{28597BD8-AB60-B584-6DE8-164AE192EB79}"/>
                   </a:ext>
                 </a:extLst>
               </p:cNvPr>
@@ -2988,30 +3432,30 @@
               <p:nvPr>
                 <p:extLst>
                   <p:ext uri="{D42A27DB-BD31-4B8C-83A1-F6EECF244321}">
-                    <p14:modId xmlns:p14="http://schemas.microsoft.com/office/powerpoint/2010/main" val="1603413447"/>
+                    <p14:modId xmlns:p14="http://schemas.microsoft.com/office/powerpoint/2010/main" val="1172224221"/>
                   </p:ext>
                 </p:extLst>
               </p:nvPr>
             </p:nvGraphicFramePr>
-            <p:xfrm rot="2700000">
-              <a:off x="906900" y="-496391"/>
-              <a:ext cx="5090400" cy="5090400"/>
+            <p:xfrm rot="18900000">
+              <a:off x="-633381" y="590544"/>
+              <a:ext cx="6109200" cy="4072052"/>
             </p:xfrm>
             <a:graphic>
               <a:graphicData uri="http://schemas.microsoft.com/office/powerpoint/2016/slidezoom">
                 <pslz:sldZm>
-                  <pslz:sldZmObj sldId="256" cId="3924993384">
-                    <pslz:zmPr id="{97BABE1D-EF71-FF43-B367-1003CBA833DC}" returnToParent="0" transitionDur="1000" showBg="0">
+                  <pslz:sldZmObj sldId="283" cId="1691773324">
+                    <pslz:zmPr id="{992C0E8B-82F9-784E-AC96-E8D7C9838943}" returnToParent="0" transitionDur="1000" showBg="0">
                       <p166:blipFill xmlns:p166="http://schemas.microsoft.com/office/powerpoint/2016/6/main">
-                        <a:blip r:embed="rId2"/>
+                        <a:blip r:embed="rId3"/>
                         <a:stretch>
                           <a:fillRect/>
                         </a:stretch>
                       </p166:blipFill>
                       <p166:spPr xmlns:p166="http://schemas.microsoft.com/office/powerpoint/2016/6/main">
-                        <a:xfrm rot="2700000">
+                        <a:xfrm rot="18900000">
                           <a:off x="0" y="0"/>
-                          <a:ext cx="5090400" cy="5090400"/>
+                          <a:ext cx="6109200" cy="4072052"/>
                         </a:xfrm>
                         <a:prstGeom prst="rect">
                           <a:avLst/>
@@ -3028,11 +3472,11 @@
         <mc:Fallback>
           <p:pic>
             <p:nvPicPr>
-              <p:cNvPr id="6" name="Slide Zoom 5">
-                <a:hlinkClick r:id="rId3" action="ppaction://hlinksldjump"/>
+              <p:cNvPr id="10" name="Slide Zoom 9">
+                <a:hlinkClick r:id="rId4" action="ppaction://hlinksldjump"/>
                 <a:extLst>
                   <a:ext uri="{FF2B5EF4-FFF2-40B4-BE49-F238E27FC236}">
-                    <a16:creationId xmlns:a16="http://schemas.microsoft.com/office/drawing/2014/main" id="{7B9090E6-F384-23ED-B66D-E5E0DFA331DD}"/>
+                    <a16:creationId xmlns:a16="http://schemas.microsoft.com/office/drawing/2014/main" id="{28597BD8-AB60-B584-6DE8-164AE192EB79}"/>
                   </a:ext>
                 </a:extLst>
               </p:cNvPr>
@@ -3042,15 +3486,15 @@
               <p:nvPr/>
             </p:nvPicPr>
             <p:blipFill>
-              <a:blip r:embed="rId2"/>
+              <a:blip r:embed="rId3"/>
               <a:stretch>
                 <a:fillRect/>
               </a:stretch>
             </p:blipFill>
             <p:spPr>
-              <a:xfrm rot="2700000">
-                <a:off x="906900" y="-496391"/>
-                <a:ext cx="5090400" cy="5090400"/>
+              <a:xfrm rot="18900000">
+                <a:off x="-633381" y="590544"/>
+                <a:ext cx="6109200" cy="4072052"/>
               </a:xfrm>
               <a:prstGeom prst="rect">
                 <a:avLst/>
@@ -3064,10 +3508,10 @@
         <mc:Choice xmlns:pslz="http://schemas.microsoft.com/office/powerpoint/2016/slidezoom" Requires="pslz">
           <p:graphicFrame>
             <p:nvGraphicFramePr>
-              <p:cNvPr id="7" name="Slide Zoom 6">
+              <p:cNvPr id="12" name="Slide Zoom 11">
                 <a:extLst>
                   <a:ext uri="{FF2B5EF4-FFF2-40B4-BE49-F238E27FC236}">
-                    <a16:creationId xmlns:a16="http://schemas.microsoft.com/office/drawing/2014/main" id="{A4E1D5F0-9338-33C8-C15D-5BE00531AF06}"/>
+                    <a16:creationId xmlns:a16="http://schemas.microsoft.com/office/drawing/2014/main" id="{570E6B2E-38EB-FEE3-7B19-627ACBEEA701}"/>
                   </a:ext>
                 </a:extLst>
               </p:cNvPr>
@@ -3077,30 +3521,30 @@
               <p:nvPr>
                 <p:extLst>
                   <p:ext uri="{D42A27DB-BD31-4B8C-83A1-F6EECF244321}">
-                    <p14:modId xmlns:p14="http://schemas.microsoft.com/office/powerpoint/2010/main" val="2848082248"/>
+                    <p14:modId xmlns:p14="http://schemas.microsoft.com/office/powerpoint/2010/main" val="3634187644"/>
                   </p:ext>
                 </p:extLst>
               </p:nvPr>
             </p:nvGraphicFramePr>
-            <p:xfrm rot="18900000">
-              <a:off x="916593" y="2595155"/>
-              <a:ext cx="5090400" cy="5090400"/>
+            <p:xfrm rot="2700000">
+              <a:off x="3159811" y="587338"/>
+              <a:ext cx="6109200" cy="4072052"/>
             </p:xfrm>
             <a:graphic>
               <a:graphicData uri="http://schemas.microsoft.com/office/powerpoint/2016/slidezoom">
                 <pslz:sldZm>
-                  <pslz:sldZmObj sldId="256" cId="3924993384">
-                    <pslz:zmPr id="{97BABE1D-EF71-FF43-B367-1003CBA833DC}" returnToParent="0" transitionDur="1000" showBg="0">
+                  <pslz:sldZmObj sldId="283" cId="1691773324">
+                    <pslz:zmPr id="{992C0E8B-82F9-784E-AC96-E8D7C9838943}" returnToParent="0" transitionDur="1000" showBg="0">
                       <p166:blipFill xmlns:p166="http://schemas.microsoft.com/office/powerpoint/2016/6/main">
-                        <a:blip r:embed="rId4"/>
+                        <a:blip r:embed="rId3"/>
                         <a:stretch>
                           <a:fillRect/>
                         </a:stretch>
                       </p166:blipFill>
                       <p166:spPr xmlns:p166="http://schemas.microsoft.com/office/powerpoint/2016/6/main">
-                        <a:xfrm rot="18900000">
+                        <a:xfrm rot="2700000">
                           <a:off x="0" y="0"/>
-                          <a:ext cx="5090400" cy="5090400"/>
+                          <a:ext cx="6109200" cy="4072052"/>
                         </a:xfrm>
                         <a:prstGeom prst="rect">
                           <a:avLst/>
@@ -3117,11 +3561,11 @@
         <mc:Fallback>
           <p:pic>
             <p:nvPicPr>
-              <p:cNvPr id="7" name="Slide Zoom 6">
-                <a:hlinkClick r:id="rId3" action="ppaction://hlinksldjump"/>
+              <p:cNvPr id="12" name="Slide Zoom 11">
+                <a:hlinkClick r:id="rId4" action="ppaction://hlinksldjump"/>
                 <a:extLst>
                   <a:ext uri="{FF2B5EF4-FFF2-40B4-BE49-F238E27FC236}">
-                    <a16:creationId xmlns:a16="http://schemas.microsoft.com/office/drawing/2014/main" id="{A4E1D5F0-9338-33C8-C15D-5BE00531AF06}"/>
+                    <a16:creationId xmlns:a16="http://schemas.microsoft.com/office/drawing/2014/main" id="{570E6B2E-38EB-FEE3-7B19-627ACBEEA701}"/>
                   </a:ext>
                 </a:extLst>
               </p:cNvPr>
@@ -3131,15 +3575,15 @@
               <p:nvPr/>
             </p:nvPicPr>
             <p:blipFill>
-              <a:blip r:embed="rId4"/>
+              <a:blip r:embed="rId3"/>
               <a:stretch>
                 <a:fillRect/>
               </a:stretch>
             </p:blipFill>
             <p:spPr>
-              <a:xfrm rot="18900000">
-                <a:off x="916593" y="2595155"/>
-                <a:ext cx="5090400" cy="5090400"/>
+              <a:xfrm rot="2700000">
+                <a:off x="3159811" y="587338"/>
+                <a:ext cx="6109200" cy="4072052"/>
               </a:xfrm>
               <a:prstGeom prst="rect">
                 <a:avLst/>
@@ -3149,64 +3593,10 @@
           </p:pic>
         </mc:Fallback>
       </mc:AlternateContent>
-      <p:sp>
-        <p:nvSpPr>
-          <p:cNvPr id="9" name="Rectangle 8">
-            <a:extLst>
-              <a:ext uri="{FF2B5EF4-FFF2-40B4-BE49-F238E27FC236}">
-                <a16:creationId xmlns:a16="http://schemas.microsoft.com/office/drawing/2014/main" id="{EB35C72C-386F-11E7-0FC1-D58900B2C442}"/>
-              </a:ext>
-            </a:extLst>
-          </p:cNvPr>
-          <p:cNvSpPr/>
-          <p:nvPr/>
-        </p:nvSpPr>
-        <p:spPr>
-          <a:xfrm>
-            <a:off x="1629904" y="1895285"/>
-            <a:ext cx="45719" cy="3371399"/>
-          </a:xfrm>
-          <a:prstGeom prst="rect">
-            <a:avLst/>
-          </a:prstGeom>
-          <a:solidFill>
-            <a:schemeClr val="tx1">
-              <a:alpha val="1000"/>
-            </a:schemeClr>
-          </a:solidFill>
-          <a:ln>
-            <a:noFill/>
-          </a:ln>
-        </p:spPr>
-        <p:style>
-          <a:lnRef idx="2">
-            <a:schemeClr val="accent1">
-              <a:shade val="50000"/>
-            </a:schemeClr>
-          </a:lnRef>
-          <a:fillRef idx="1">
-            <a:schemeClr val="accent1"/>
-          </a:fillRef>
-          <a:effectRef idx="0">
-            <a:schemeClr val="accent1"/>
-          </a:effectRef>
-          <a:fontRef idx="minor">
-            <a:schemeClr val="lt1"/>
-          </a:fontRef>
-        </p:style>
-        <p:txBody>
-          <a:bodyPr rtlCol="0" anchor="ctr"/>
-          <a:lstStyle/>
-          <a:p>
-            <a:pPr algn="ctr"/>
-            <a:endParaRPr lang="en-GB"/>
-          </a:p>
-        </p:txBody>
-      </p:sp>
     </p:spTree>
     <p:extLst>
       <p:ext uri="{BB962C8B-B14F-4D97-AF65-F5344CB8AC3E}">
-        <p14:creationId xmlns:p14="http://schemas.microsoft.com/office/powerpoint/2010/main" val="3924993384"/>
+        <p14:creationId xmlns:p14="http://schemas.microsoft.com/office/powerpoint/2010/main" val="1691773324"/>
       </p:ext>
     </p:extLst>
   </p:cSld>
@@ -3477,6 +3867,301 @@
 </a:theme>
 </file>
 
+<file path=ppt/theme/theme2.xml><?xml version="1.0" encoding="utf-8"?>
+<a:theme xmlns:a="http://schemas.openxmlformats.org/drawingml/2006/main" name="Office Theme">
+  <a:themeElements>
+    <a:clrScheme name="Office">
+      <a:dk1>
+        <a:sysClr val="windowText" lastClr="000000"/>
+      </a:dk1>
+      <a:lt1>
+        <a:sysClr val="window" lastClr="FFFFFF"/>
+      </a:lt1>
+      <a:dk2>
+        <a:srgbClr val="44546A"/>
+      </a:dk2>
+      <a:lt2>
+        <a:srgbClr val="E7E6E6"/>
+      </a:lt2>
+      <a:accent1>
+        <a:srgbClr val="4472C4"/>
+      </a:accent1>
+      <a:accent2>
+        <a:srgbClr val="ED7D31"/>
+      </a:accent2>
+      <a:accent3>
+        <a:srgbClr val="A5A5A5"/>
+      </a:accent3>
+      <a:accent4>
+        <a:srgbClr val="FFC000"/>
+      </a:accent4>
+      <a:accent5>
+        <a:srgbClr val="5B9BD5"/>
+      </a:accent5>
+      <a:accent6>
+        <a:srgbClr val="70AD47"/>
+      </a:accent6>
+      <a:hlink>
+        <a:srgbClr val="0563C1"/>
+      </a:hlink>
+      <a:folHlink>
+        <a:srgbClr val="954F72"/>
+      </a:folHlink>
+    </a:clrScheme>
+    <a:fontScheme name="Office">
+      <a:majorFont>
+        <a:latin typeface="Calibri Light" panose="020F0302020204030204"/>
+        <a:ea typeface=""/>
+        <a:cs typeface=""/>
+        <a:font script="Jpan" typeface="游ゴシック Light"/>
+        <a:font script="Hang" typeface="맑은 고딕"/>
+        <a:font script="Hans" typeface="等线 Light"/>
+        <a:font script="Hant" typeface="新細明體"/>
+        <a:font script="Arab" typeface="Times New Roman"/>
+        <a:font script="Hebr" typeface="Times New Roman"/>
+        <a:font script="Thai" typeface="Angsana New"/>
+        <a:font script="Ethi" typeface="Nyala"/>
+        <a:font script="Beng" typeface="Vrinda"/>
+        <a:font script="Gujr" typeface="Shruti"/>
+        <a:font script="Khmr" typeface="MoolBoran"/>
+        <a:font script="Knda" typeface="Tunga"/>
+        <a:font script="Guru" typeface="Raavi"/>
+        <a:font script="Cans" typeface="Euphemia"/>
+        <a:font script="Cher" typeface="Plantagenet Cherokee"/>
+        <a:font script="Yiii" typeface="Microsoft Yi Baiti"/>
+        <a:font script="Tibt" typeface="Microsoft Himalaya"/>
+        <a:font script="Thaa" typeface="MV Boli"/>
+        <a:font script="Deva" typeface="Mangal"/>
+        <a:font script="Telu" typeface="Gautami"/>
+        <a:font script="Taml" typeface="Latha"/>
+        <a:font script="Syrc" typeface="Estrangelo Edessa"/>
+        <a:font script="Orya" typeface="Kalinga"/>
+        <a:font script="Mlym" typeface="Kartika"/>
+        <a:font script="Laoo" typeface="DokChampa"/>
+        <a:font script="Sinh" typeface="Iskoola Pota"/>
+        <a:font script="Mong" typeface="Mongolian Baiti"/>
+        <a:font script="Viet" typeface="Times New Roman"/>
+        <a:font script="Uigh" typeface="Microsoft Uighur"/>
+        <a:font script="Geor" typeface="Sylfaen"/>
+        <a:font script="Armn" typeface="Arial"/>
+        <a:font script="Bugi" typeface="Leelawadee UI"/>
+        <a:font script="Bopo" typeface="Microsoft JhengHei"/>
+        <a:font script="Java" typeface="Javanese Text"/>
+        <a:font script="Lisu" typeface="Segoe UI"/>
+        <a:font script="Mymr" typeface="Myanmar Text"/>
+        <a:font script="Nkoo" typeface="Ebrima"/>
+        <a:font script="Olck" typeface="Nirmala UI"/>
+        <a:font script="Osma" typeface="Ebrima"/>
+        <a:font script="Phag" typeface="Phagspa"/>
+        <a:font script="Syrn" typeface="Estrangelo Edessa"/>
+        <a:font script="Syrj" typeface="Estrangelo Edessa"/>
+        <a:font script="Syre" typeface="Estrangelo Edessa"/>
+        <a:font script="Sora" typeface="Nirmala UI"/>
+        <a:font script="Tale" typeface="Microsoft Tai Le"/>
+        <a:font script="Talu" typeface="Microsoft New Tai Lue"/>
+        <a:font script="Tfng" typeface="Ebrima"/>
+      </a:majorFont>
+      <a:minorFont>
+        <a:latin typeface="Calibri" panose="020F0502020204030204"/>
+        <a:ea typeface=""/>
+        <a:cs typeface=""/>
+        <a:font script="Jpan" typeface="游ゴシック"/>
+        <a:font script="Hang" typeface="맑은 고딕"/>
+        <a:font script="Hans" typeface="等线"/>
+        <a:font script="Hant" typeface="新細明體"/>
+        <a:font script="Arab" typeface="Arial"/>
+        <a:font script="Hebr" typeface="Arial"/>
+        <a:font script="Thai" typeface="Cordia New"/>
+        <a:font script="Ethi" typeface="Nyala"/>
+        <a:font script="Beng" typeface="Vrinda"/>
+        <a:font script="Gujr" typeface="Shruti"/>
+        <a:font script="Khmr" typeface="DaunPenh"/>
+        <a:font script="Knda" typeface="Tunga"/>
+        <a:font script="Guru" typeface="Raavi"/>
+        <a:font script="Cans" typeface="Euphemia"/>
+        <a:font script="Cher" typeface="Plantagenet Cherokee"/>
+        <a:font script="Yiii" typeface="Microsoft Yi Baiti"/>
+        <a:font script="Tibt" typeface="Microsoft Himalaya"/>
+        <a:font script="Thaa" typeface="MV Boli"/>
+        <a:font script="Deva" typeface="Mangal"/>
+        <a:font script="Telu" typeface="Gautami"/>
+        <a:font script="Taml" typeface="Latha"/>
+        <a:font script="Syrc" typeface="Estrangelo Edessa"/>
+        <a:font script="Orya" typeface="Kalinga"/>
+        <a:font script="Mlym" typeface="Kartika"/>
+        <a:font script="Laoo" typeface="DokChampa"/>
+        <a:font script="Sinh" typeface="Iskoola Pota"/>
+        <a:font script="Mong" typeface="Mongolian Baiti"/>
+        <a:font script="Viet" typeface="Arial"/>
+        <a:font script="Uigh" typeface="Microsoft Uighur"/>
+        <a:font script="Geor" typeface="Sylfaen"/>
+        <a:font script="Armn" typeface="Arial"/>
+        <a:font script="Bugi" typeface="Leelawadee UI"/>
+        <a:font script="Bopo" typeface="Microsoft JhengHei"/>
+        <a:font script="Java" typeface="Javanese Text"/>
+        <a:font script="Lisu" typeface="Segoe UI"/>
+        <a:font script="Mymr" typeface="Myanmar Text"/>
+        <a:font script="Nkoo" typeface="Ebrima"/>
+        <a:font script="Olck" typeface="Nirmala UI"/>
+        <a:font script="Osma" typeface="Ebrima"/>
+        <a:font script="Phag" typeface="Phagspa"/>
+        <a:font script="Syrn" typeface="Estrangelo Edessa"/>
+        <a:font script="Syrj" typeface="Estrangelo Edessa"/>
+        <a:font script="Syre" typeface="Estrangelo Edessa"/>
+        <a:font script="Sora" typeface="Nirmala UI"/>
+        <a:font script="Tale" typeface="Microsoft Tai Le"/>
+        <a:font script="Talu" typeface="Microsoft New Tai Lue"/>
+        <a:font script="Tfng" typeface="Ebrima"/>
+      </a:minorFont>
+    </a:fontScheme>
+    <a:fmtScheme name="Office">
+      <a:fillStyleLst>
+        <a:solidFill>
+          <a:schemeClr val="phClr"/>
+        </a:solidFill>
+        <a:gradFill rotWithShape="1">
+          <a:gsLst>
+            <a:gs pos="0">
+              <a:schemeClr val="phClr">
+                <a:lumMod val="110000"/>
+                <a:satMod val="105000"/>
+                <a:tint val="67000"/>
+              </a:schemeClr>
+            </a:gs>
+            <a:gs pos="50000">
+              <a:schemeClr val="phClr">
+                <a:lumMod val="105000"/>
+                <a:satMod val="103000"/>
+                <a:tint val="73000"/>
+              </a:schemeClr>
+            </a:gs>
+            <a:gs pos="100000">
+              <a:schemeClr val="phClr">
+                <a:lumMod val="105000"/>
+                <a:satMod val="109000"/>
+                <a:tint val="81000"/>
+              </a:schemeClr>
+            </a:gs>
+          </a:gsLst>
+          <a:lin ang="5400000" scaled="0"/>
+        </a:gradFill>
+        <a:gradFill rotWithShape="1">
+          <a:gsLst>
+            <a:gs pos="0">
+              <a:schemeClr val="phClr">
+                <a:satMod val="103000"/>
+                <a:lumMod val="102000"/>
+                <a:tint val="94000"/>
+              </a:schemeClr>
+            </a:gs>
+            <a:gs pos="50000">
+              <a:schemeClr val="phClr">
+                <a:satMod val="110000"/>
+                <a:lumMod val="100000"/>
+                <a:shade val="100000"/>
+              </a:schemeClr>
+            </a:gs>
+            <a:gs pos="100000">
+              <a:schemeClr val="phClr">
+                <a:lumMod val="99000"/>
+                <a:satMod val="120000"/>
+                <a:shade val="78000"/>
+              </a:schemeClr>
+            </a:gs>
+          </a:gsLst>
+          <a:lin ang="5400000" scaled="0"/>
+        </a:gradFill>
+      </a:fillStyleLst>
+      <a:lnStyleLst>
+        <a:ln w="6350" cap="flat" cmpd="sng" algn="ctr">
+          <a:solidFill>
+            <a:schemeClr val="phClr"/>
+          </a:solidFill>
+          <a:prstDash val="solid"/>
+          <a:miter lim="800000"/>
+        </a:ln>
+        <a:ln w="12700" cap="flat" cmpd="sng" algn="ctr">
+          <a:solidFill>
+            <a:schemeClr val="phClr"/>
+          </a:solidFill>
+          <a:prstDash val="solid"/>
+          <a:miter lim="800000"/>
+        </a:ln>
+        <a:ln w="19050" cap="flat" cmpd="sng" algn="ctr">
+          <a:solidFill>
+            <a:schemeClr val="phClr"/>
+          </a:solidFill>
+          <a:prstDash val="solid"/>
+          <a:miter lim="800000"/>
+        </a:ln>
+      </a:lnStyleLst>
+      <a:effectStyleLst>
+        <a:effectStyle>
+          <a:effectLst/>
+        </a:effectStyle>
+        <a:effectStyle>
+          <a:effectLst/>
+        </a:effectStyle>
+        <a:effectStyle>
+          <a:effectLst>
+            <a:outerShdw blurRad="57150" dist="19050" dir="5400000" algn="ctr" rotWithShape="0">
+              <a:srgbClr val="000000">
+                <a:alpha val="63000"/>
+              </a:srgbClr>
+            </a:outerShdw>
+          </a:effectLst>
+        </a:effectStyle>
+      </a:effectStyleLst>
+      <a:bgFillStyleLst>
+        <a:solidFill>
+          <a:schemeClr val="phClr"/>
+        </a:solidFill>
+        <a:solidFill>
+          <a:schemeClr val="phClr">
+            <a:tint val="95000"/>
+            <a:satMod val="170000"/>
+          </a:schemeClr>
+        </a:solidFill>
+        <a:gradFill rotWithShape="1">
+          <a:gsLst>
+            <a:gs pos="0">
+              <a:schemeClr val="phClr">
+                <a:tint val="93000"/>
+                <a:satMod val="150000"/>
+                <a:shade val="98000"/>
+                <a:lumMod val="102000"/>
+              </a:schemeClr>
+            </a:gs>
+            <a:gs pos="50000">
+              <a:schemeClr val="phClr">
+                <a:tint val="98000"/>
+                <a:satMod val="130000"/>
+                <a:shade val="90000"/>
+                <a:lumMod val="103000"/>
+              </a:schemeClr>
+            </a:gs>
+            <a:gs pos="100000">
+              <a:schemeClr val="phClr">
+                <a:shade val="63000"/>
+                <a:satMod val="120000"/>
+              </a:schemeClr>
+            </a:gs>
+          </a:gsLst>
+          <a:lin ang="5400000" scaled="0"/>
+        </a:gradFill>
+      </a:bgFillStyleLst>
+    </a:fmtScheme>
+  </a:themeElements>
+  <a:objectDefaults/>
+  <a:extraClrSchemeLst/>
+  <a:extLst>
+    <a:ext uri="{05A4C25C-085E-4340-85A3-A5531E510DB2}">
+      <thm15:themeFamily xmlns:thm15="http://schemas.microsoft.com/office/thememl/2012/main" name="Office Theme" id="{62F939B6-93AF-4DB8-9C6B-D6C7DFDC589F}" vid="{4A3C46E8-61CC-4603-A589-7422A47A8E4A}"/>
+    </a:ext>
+  </a:extLst>
+</a:theme>
+</file>
+
 <file path=docMetadata/LabelInfo.xml><?xml version="1.0" encoding="utf-8"?>
 <clbl:labelList xmlns:clbl="http://schemas.microsoft.com/office/2020/mipLabelMetadata">
   <clbl:label id="{f42aa342-8706-4288-bd11-ebb85995028c}" enabled="1" method="Standard" siteId="{72f988bf-86f1-41af-91ab-2d7cd011db47}" contentBits="0" removed="0"/>
